--- a/HUANUCO WILD PLANTS ANALYSIS SUMMARY.pptx
+++ b/HUANUCO WILD PLANTS ANALYSIS SUMMARY.pptx
@@ -10,10 +10,17 @@
     <p:sldId id="258" r:id="rId4"/>
     <p:sldId id="260" r:id="rId5"/>
     <p:sldId id="261" r:id="rId6"/>
-    <p:sldId id="263" r:id="rId7"/>
-    <p:sldId id="262" r:id="rId8"/>
-    <p:sldId id="265" r:id="rId9"/>
-    <p:sldId id="264" r:id="rId10"/>
+    <p:sldId id="271" r:id="rId7"/>
+    <p:sldId id="273" r:id="rId8"/>
+    <p:sldId id="274" r:id="rId9"/>
+    <p:sldId id="276" r:id="rId10"/>
+    <p:sldId id="263" r:id="rId11"/>
+    <p:sldId id="262" r:id="rId12"/>
+    <p:sldId id="268" r:id="rId13"/>
+    <p:sldId id="265" r:id="rId14"/>
+    <p:sldId id="267" r:id="rId15"/>
+    <p:sldId id="264" r:id="rId16"/>
+    <p:sldId id="269" r:id="rId17"/>
   </p:sldIdLst>
   <p:sldSz cx="12192000" cy="6858000"/>
   <p:notesSz cx="6858000" cy="9144000"/>
@@ -112,6 +119,11 @@
       </a:defRPr>
     </a:lvl9pPr>
   </p:defaultTextStyle>
+  <p:extLst>
+    <p:ext uri="{EFAFB233-063F-42B5-8137-9DF3F51BA10A}">
+      <p15:sldGuideLst xmlns:p15="http://schemas.microsoft.com/office/powerpoint/2012/main"/>
+    </p:ext>
+  </p:extLst>
 </p:presentation>
 </file>
 
@@ -1348,7 +1360,11 @@
         <a:p>
           <a:r>
             <a:rPr lang="en-US" dirty="0" smtClean="0"/>
-            <a:t>Summary metrics per cluster and variable.</a:t>
+            <a:t>Summary metrics per cluster and </a:t>
+          </a:r>
+          <a:r>
+            <a:rPr lang="en-US" dirty="0" smtClean="0"/>
+            <a:t>variable, and  summarize results in an unique excel file.</a:t>
           </a:r>
           <a:endParaRPr lang="es-CO" dirty="0"/>
         </a:p>
@@ -1422,7 +1438,7 @@
         <a:p>
           <a:r>
             <a:rPr lang="es-CO" dirty="0" err="1" smtClean="0"/>
-            <a:t>summary_function_no_región.R</a:t>
+            <a:t>summary_function_no_region.R</a:t>
           </a:r>
           <a:endParaRPr lang="es-CO" dirty="0"/>
         </a:p>
@@ -1450,6 +1466,43 @@
         </a:p>
       </dgm:t>
     </dgm:pt>
+    <dgm:pt modelId="{02BC6D12-E5C7-4AB7-8CB0-7A0DB91AE2A8}">
+      <dgm:prSet/>
+      <dgm:spPr/>
+      <dgm:t>
+        <a:bodyPr/>
+        <a:lstStyle/>
+        <a:p>
+          <a:r>
+            <a:rPr lang="es-CO" dirty="0" err="1" smtClean="0"/>
+            <a:t>summary_files.R</a:t>
+          </a:r>
+          <a:endParaRPr lang="es-CO" dirty="0"/>
+        </a:p>
+      </dgm:t>
+    </dgm:pt>
+    <dgm:pt modelId="{F6BEB754-6E85-4EB1-B1A2-FA536C0A6D11}" type="parTrans" cxnId="{1E023264-1E93-456A-A42B-1D056E22A433}">
+      <dgm:prSet/>
+      <dgm:spPr/>
+      <dgm:t>
+        <a:bodyPr/>
+        <a:lstStyle/>
+        <a:p>
+          <a:endParaRPr lang="es-CO"/>
+        </a:p>
+      </dgm:t>
+    </dgm:pt>
+    <dgm:pt modelId="{F7B79EF9-F98C-472E-A011-82EF4ACA5784}" type="sibTrans" cxnId="{1E023264-1E93-456A-A42B-1D056E22A433}">
+      <dgm:prSet/>
+      <dgm:spPr/>
+      <dgm:t>
+        <a:bodyPr/>
+        <a:lstStyle/>
+        <a:p>
+          <a:endParaRPr lang="es-CO"/>
+        </a:p>
+      </dgm:t>
+    </dgm:pt>
     <dgm:pt modelId="{11E49C58-612B-43ED-9F40-2054B6117751}" type="pres">
       <dgm:prSet presAssocID="{C810F976-FF2A-4672-88F0-7F897003CD47}" presName="Name0" presStyleCnt="0">
         <dgm:presLayoutVars>
@@ -1460,6 +1513,13 @@
         </dgm:presLayoutVars>
       </dgm:prSet>
       <dgm:spPr/>
+      <dgm:t>
+        <a:bodyPr/>
+        <a:lstStyle/>
+        <a:p>
+          <a:endParaRPr lang="es-CO"/>
+        </a:p>
+      </dgm:t>
     </dgm:pt>
     <dgm:pt modelId="{8D364FAD-0D9D-46AE-B365-8C502CA523D1}" type="pres">
       <dgm:prSet presAssocID="{2045027D-26AB-418A-AB61-53C65555E891}" presName="Accent5" presStyleCnt="0"/>
@@ -1493,6 +1553,13 @@
         </dgm:presLayoutVars>
       </dgm:prSet>
       <dgm:spPr/>
+      <dgm:t>
+        <a:bodyPr/>
+        <a:lstStyle/>
+        <a:p>
+          <a:endParaRPr lang="es-CO"/>
+        </a:p>
+      </dgm:t>
     </dgm:pt>
     <dgm:pt modelId="{B00C3B7F-41CA-4D63-AE10-7FB3BAA2A77D}" type="pres">
       <dgm:prSet presAssocID="{2045027D-26AB-418A-AB61-53C65555E891}" presName="Parent5" presStyleLbl="revTx" presStyleIdx="0" presStyleCnt="5">
@@ -1526,6 +1593,13 @@
     <dgm:pt modelId="{F9A2D214-A363-4951-9544-2FDA0D9A0E64}" type="pres">
       <dgm:prSet presAssocID="{AD21D6F9-A0D4-4228-A942-FA8765EDC8A0}" presName="ParentBackground" presStyleLbl="fgAcc1" presStyleIdx="1" presStyleCnt="5"/>
       <dgm:spPr/>
+      <dgm:t>
+        <a:bodyPr/>
+        <a:lstStyle/>
+        <a:p>
+          <a:endParaRPr lang="es-CO"/>
+        </a:p>
+      </dgm:t>
     </dgm:pt>
     <dgm:pt modelId="{69EA7B84-4CBF-432C-A1ED-11038719AEC8}" type="pres">
       <dgm:prSet presAssocID="{AD21D6F9-A0D4-4228-A942-FA8765EDC8A0}" presName="Child4" presStyleLbl="revTx" presStyleIdx="1" presStyleCnt="5">
@@ -1536,6 +1610,13 @@
         </dgm:presLayoutVars>
       </dgm:prSet>
       <dgm:spPr/>
+      <dgm:t>
+        <a:bodyPr/>
+        <a:lstStyle/>
+        <a:p>
+          <a:endParaRPr lang="es-CO"/>
+        </a:p>
+      </dgm:t>
     </dgm:pt>
     <dgm:pt modelId="{D5F5446C-80DF-4769-A19C-AF3B1515FBA3}" type="pres">
       <dgm:prSet presAssocID="{AD21D6F9-A0D4-4228-A942-FA8765EDC8A0}" presName="Parent4" presStyleLbl="revTx" presStyleIdx="1" presStyleCnt="5">
@@ -1546,6 +1627,13 @@
         </dgm:presLayoutVars>
       </dgm:prSet>
       <dgm:spPr/>
+      <dgm:t>
+        <a:bodyPr/>
+        <a:lstStyle/>
+        <a:p>
+          <a:endParaRPr lang="es-CO"/>
+        </a:p>
+      </dgm:t>
     </dgm:pt>
     <dgm:pt modelId="{B0FD83E6-1F82-4AE9-BF6D-F79D0B1ADB50}" type="pres">
       <dgm:prSet presAssocID="{395A32BF-418F-4F11-85B9-E1941D67EBA6}" presName="Accent3" presStyleCnt="0"/>
@@ -1579,6 +1667,13 @@
         </dgm:presLayoutVars>
       </dgm:prSet>
       <dgm:spPr/>
+      <dgm:t>
+        <a:bodyPr/>
+        <a:lstStyle/>
+        <a:p>
+          <a:endParaRPr lang="es-CO"/>
+        </a:p>
+      </dgm:t>
     </dgm:pt>
     <dgm:pt modelId="{D7624080-9B86-4A5B-BC7C-157E570686F1}" type="pres">
       <dgm:prSet presAssocID="{395A32BF-418F-4F11-85B9-E1941D67EBA6}" presName="Parent3" presStyleLbl="revTx" presStyleIdx="2" presStyleCnt="5">
@@ -1612,6 +1707,13 @@
     <dgm:pt modelId="{FC378788-5212-48F7-9D8F-95994B6535CE}" type="pres">
       <dgm:prSet presAssocID="{1B81FE34-322B-4F92-BC08-DE70EF9CC0C2}" presName="ParentBackground" presStyleLbl="fgAcc1" presStyleIdx="3" presStyleCnt="5"/>
       <dgm:spPr/>
+      <dgm:t>
+        <a:bodyPr/>
+        <a:lstStyle/>
+        <a:p>
+          <a:endParaRPr lang="es-CO"/>
+        </a:p>
+      </dgm:t>
     </dgm:pt>
     <dgm:pt modelId="{A4DA8A80-0601-4E9F-94AF-2B9B56D7DE23}" type="pres">
       <dgm:prSet presAssocID="{1B81FE34-322B-4F92-BC08-DE70EF9CC0C2}" presName="Child2" presStyleLbl="revTx" presStyleIdx="3" presStyleCnt="5">
@@ -1622,6 +1724,13 @@
         </dgm:presLayoutVars>
       </dgm:prSet>
       <dgm:spPr/>
+      <dgm:t>
+        <a:bodyPr/>
+        <a:lstStyle/>
+        <a:p>
+          <a:endParaRPr lang="es-CO"/>
+        </a:p>
+      </dgm:t>
     </dgm:pt>
     <dgm:pt modelId="{C93A96B9-29DF-408C-B03D-62E97D5A184E}" type="pres">
       <dgm:prSet presAssocID="{1B81FE34-322B-4F92-BC08-DE70EF9CC0C2}" presName="Parent2" presStyleLbl="revTx" presStyleIdx="3" presStyleCnt="5">
@@ -1632,6 +1741,13 @@
         </dgm:presLayoutVars>
       </dgm:prSet>
       <dgm:spPr/>
+      <dgm:t>
+        <a:bodyPr/>
+        <a:lstStyle/>
+        <a:p>
+          <a:endParaRPr lang="es-CO"/>
+        </a:p>
+      </dgm:t>
     </dgm:pt>
     <dgm:pt modelId="{F2E31CA0-1660-4661-9032-2F391DB3B6A7}" type="pres">
       <dgm:prSet presAssocID="{8EC15D93-C518-4ED4-94C6-639D71DC6A7B}" presName="Accent1" presStyleCnt="0"/>
@@ -1648,6 +1764,13 @@
     <dgm:pt modelId="{C5E96749-A8FE-43CB-ADB7-F3CACE50D22A}" type="pres">
       <dgm:prSet presAssocID="{8EC15D93-C518-4ED4-94C6-639D71DC6A7B}" presName="ParentBackground" presStyleLbl="fgAcc1" presStyleIdx="4" presStyleCnt="5"/>
       <dgm:spPr/>
+      <dgm:t>
+        <a:bodyPr/>
+        <a:lstStyle/>
+        <a:p>
+          <a:endParaRPr lang="es-CO"/>
+        </a:p>
+      </dgm:t>
     </dgm:pt>
     <dgm:pt modelId="{FCB68933-6101-4867-BEE9-4A84521EA961}" type="pres">
       <dgm:prSet presAssocID="{8EC15D93-C518-4ED4-94C6-639D71DC6A7B}" presName="Child1" presStyleLbl="revTx" presStyleIdx="4" presStyleCnt="5">
@@ -1658,6 +1781,13 @@
         </dgm:presLayoutVars>
       </dgm:prSet>
       <dgm:spPr/>
+      <dgm:t>
+        <a:bodyPr/>
+        <a:lstStyle/>
+        <a:p>
+          <a:endParaRPr lang="es-CO"/>
+        </a:p>
+      </dgm:t>
     </dgm:pt>
     <dgm:pt modelId="{4575A9F2-1027-4623-BF96-F542C01DD681}" type="pres">
       <dgm:prSet presAssocID="{8EC15D93-C518-4ED4-94C6-639D71DC6A7B}" presName="Parent1" presStyleLbl="revTx" presStyleIdx="4" presStyleCnt="5">
@@ -1668,40 +1798,49 @@
         </dgm:presLayoutVars>
       </dgm:prSet>
       <dgm:spPr/>
+      <dgm:t>
+        <a:bodyPr/>
+        <a:lstStyle/>
+        <a:p>
+          <a:endParaRPr lang="es-CO"/>
+        </a:p>
+      </dgm:t>
     </dgm:pt>
   </dgm:ptLst>
   <dgm:cxnLst>
+    <dgm:cxn modelId="{90D2D791-1190-437B-ABB5-13BAD5F1DC36}" srcId="{C810F976-FF2A-4672-88F0-7F897003CD47}" destId="{8EC15D93-C518-4ED4-94C6-639D71DC6A7B}" srcOrd="0" destOrd="0" parTransId="{E956CC5E-7B8B-4D84-BC68-5AA69BF95015}" sibTransId="{50FD92AB-F45D-4D12-A6D3-5602EDB69880}"/>
+    <dgm:cxn modelId="{5A5696FB-C799-4A8E-BCD1-8565C719721A}" type="presOf" srcId="{2045027D-26AB-418A-AB61-53C65555E891}" destId="{9DB914DC-DF50-4CE8-9935-84B8EDEAAA98}" srcOrd="0" destOrd="0" presId="urn:microsoft.com/office/officeart/2011/layout/CircleProcess"/>
+    <dgm:cxn modelId="{B714ADEA-0C31-473D-B4EF-1E273056C014}" type="presOf" srcId="{4A73A408-476C-48C7-B10D-4E4A1E50F2FD}" destId="{FCB68933-6101-4867-BEE9-4A84521EA961}" srcOrd="0" destOrd="0" presId="urn:microsoft.com/office/officeart/2011/layout/CircleProcess"/>
+    <dgm:cxn modelId="{E8C6A189-9E69-4BCD-99DC-A23AF4152952}" type="presOf" srcId="{02BC6D12-E5C7-4AB7-8CB0-7A0DB91AE2A8}" destId="{84EE59AC-9B3B-4643-82E1-F2201F115E6A}" srcOrd="0" destOrd="2" presId="urn:microsoft.com/office/officeart/2011/layout/CircleProcess"/>
+    <dgm:cxn modelId="{7FB19956-6DE8-41F2-AFD5-5364326C7C15}" type="presOf" srcId="{8EC15D93-C518-4ED4-94C6-639D71DC6A7B}" destId="{C5E96749-A8FE-43CB-ADB7-F3CACE50D22A}" srcOrd="0" destOrd="0" presId="urn:microsoft.com/office/officeart/2011/layout/CircleProcess"/>
+    <dgm:cxn modelId="{DC363A44-22BA-4BC4-B83B-49A0DB7C5C82}" type="presOf" srcId="{395A32BF-418F-4F11-85B9-E1941D67EBA6}" destId="{D7624080-9B86-4A5B-BC7C-157E570686F1}" srcOrd="1" destOrd="0" presId="urn:microsoft.com/office/officeart/2011/layout/CircleProcess"/>
+    <dgm:cxn modelId="{946A678C-F3BB-42C3-8C8F-2A44032CAB8F}" type="presOf" srcId="{C810F976-FF2A-4672-88F0-7F897003CD47}" destId="{11E49C58-612B-43ED-9F40-2054B6117751}" srcOrd="0" destOrd="0" presId="urn:microsoft.com/office/officeart/2011/layout/CircleProcess"/>
+    <dgm:cxn modelId="{314EB42F-AAF1-49C4-8BB4-DEA71ADB834E}" type="presOf" srcId="{AD21D6F9-A0D4-4228-A942-FA8765EDC8A0}" destId="{F9A2D214-A363-4951-9544-2FDA0D9A0E64}" srcOrd="0" destOrd="0" presId="urn:microsoft.com/office/officeart/2011/layout/CircleProcess"/>
+    <dgm:cxn modelId="{E76CC2A6-F14D-4940-A6B6-8123A24844A5}" srcId="{AD21D6F9-A0D4-4228-A942-FA8765EDC8A0}" destId="{BE822E21-9611-42ED-B94D-7B6AB95BD985}" srcOrd="1" destOrd="0" parTransId="{30F52FD5-38FE-464D-97CF-B5490F001E0B}" sibTransId="{223238E2-FEA5-40F0-854A-E0A3A9A62D4F}"/>
+    <dgm:cxn modelId="{267D90F7-FF4F-497A-90B9-D7839574A327}" srcId="{C810F976-FF2A-4672-88F0-7F897003CD47}" destId="{2045027D-26AB-418A-AB61-53C65555E891}" srcOrd="4" destOrd="0" parTransId="{3E96E7F5-266C-4297-84E6-A90FBC773121}" sibTransId="{8FDCCA68-8EFF-4E00-9EEF-971E24163E3E}"/>
+    <dgm:cxn modelId="{D6DF4410-D8EE-4654-9D49-64ACEE303310}" type="presOf" srcId="{AD21D6F9-A0D4-4228-A942-FA8765EDC8A0}" destId="{D5F5446C-80DF-4769-A19C-AF3B1515FBA3}" srcOrd="1" destOrd="0" presId="urn:microsoft.com/office/officeart/2011/layout/CircleProcess"/>
+    <dgm:cxn modelId="{63657AAE-AC82-4161-8839-450679199CBA}" type="presOf" srcId="{1B81FE34-322B-4F92-BC08-DE70EF9CC0C2}" destId="{C93A96B9-29DF-408C-B03D-62E97D5A184E}" srcOrd="1" destOrd="0" presId="urn:microsoft.com/office/officeart/2011/layout/CircleProcess"/>
+    <dgm:cxn modelId="{5765038E-225C-46B7-81B2-066322EFC847}" srcId="{AD21D6F9-A0D4-4228-A942-FA8765EDC8A0}" destId="{4EC40252-BB59-4193-AA85-E912B790E9D7}" srcOrd="0" destOrd="0" parTransId="{F135134C-2065-4793-B641-89D8318A06A3}" sibTransId="{4DC263DB-4C96-49F7-9953-F535AB2F102A}"/>
+    <dgm:cxn modelId="{FF298E61-0E2E-4D9D-91E0-A155AC4CD2C2}" type="presOf" srcId="{1B921C72-A9E2-4CA2-98A9-9898E98A32C8}" destId="{84EE59AC-9B3B-4643-82E1-F2201F115E6A}" srcOrd="0" destOrd="1" presId="urn:microsoft.com/office/officeart/2011/layout/CircleProcess"/>
+    <dgm:cxn modelId="{8D10A5D0-79C1-4CE1-AF23-667241890A91}" type="presOf" srcId="{09E00C09-A842-4459-9376-0D9A00D0F518}" destId="{84EE59AC-9B3B-4643-82E1-F2201F115E6A}" srcOrd="0" destOrd="0" presId="urn:microsoft.com/office/officeart/2011/layout/CircleProcess"/>
+    <dgm:cxn modelId="{686BBF51-9074-41AF-8419-9446E050E841}" type="presOf" srcId="{BE822E21-9611-42ED-B94D-7B6AB95BD985}" destId="{69EA7B84-4CBF-432C-A1ED-11038719AEC8}" srcOrd="0" destOrd="1" presId="urn:microsoft.com/office/officeart/2011/layout/CircleProcess"/>
+    <dgm:cxn modelId="{101426F4-E091-4E6E-AF3F-6DE0F5331CF1}" srcId="{1B81FE34-322B-4F92-BC08-DE70EF9CC0C2}" destId="{09A1A444-9478-4380-B6FB-08C7E054DC9A}" srcOrd="0" destOrd="0" parTransId="{FD2725BF-EFA8-403E-84BF-B50C973E44BF}" sibTransId="{8F773AB4-8B14-4F10-937C-8BD6F5A65DC1}"/>
+    <dgm:cxn modelId="{E006D347-A63F-4A27-B5F7-3512C64F2830}" srcId="{C810F976-FF2A-4672-88F0-7F897003CD47}" destId="{AD21D6F9-A0D4-4228-A942-FA8765EDC8A0}" srcOrd="3" destOrd="0" parTransId="{9FADA0E1-2B44-4A53-937D-167F8F2D1846}" sibTransId="{13D50D2F-69E9-44EC-B359-15D5D77BB37F}"/>
+    <dgm:cxn modelId="{78D7EB31-A0CC-4569-A872-49765BE2607A}" type="presOf" srcId="{8EC15D93-C518-4ED4-94C6-639D71DC6A7B}" destId="{4575A9F2-1027-4623-BF96-F542C01DD681}" srcOrd="1" destOrd="0" presId="urn:microsoft.com/office/officeart/2011/layout/CircleProcess"/>
+    <dgm:cxn modelId="{ED18B8EA-EC9B-4BFE-8C4F-8BBF48C13FD6}" srcId="{395A32BF-418F-4F11-85B9-E1941D67EBA6}" destId="{4412B31A-66C6-4F98-8203-4337044DAA05}" srcOrd="0" destOrd="0" parTransId="{E843C8B3-94A6-4444-AAA6-0448A14B4B58}" sibTransId="{86C61207-2AD9-429C-B16E-6AE10FDFB173}"/>
+    <dgm:cxn modelId="{3CC1C2CE-FAAE-4309-9FC0-A4D192D69CD8}" type="presOf" srcId="{2045027D-26AB-418A-AB61-53C65555E891}" destId="{B00C3B7F-41CA-4D63-AE10-7FB3BAA2A77D}" srcOrd="1" destOrd="0" presId="urn:microsoft.com/office/officeart/2011/layout/CircleProcess"/>
+    <dgm:cxn modelId="{249296D3-E59E-4DED-9E19-B9EDBAC4D466}" srcId="{2045027D-26AB-418A-AB61-53C65555E891}" destId="{1B921C72-A9E2-4CA2-98A9-9898E98A32C8}" srcOrd="1" destOrd="0" parTransId="{BEF8D091-2604-4605-B3E0-0B5BFB5E3EEB}" sibTransId="{F1B51C9F-403F-483F-894C-59D216CD4AC7}"/>
+    <dgm:cxn modelId="{BE42B0FA-9F52-47CD-83D5-DDE3580A1673}" type="presOf" srcId="{395A32BF-418F-4F11-85B9-E1941D67EBA6}" destId="{3594FE27-A66B-4291-83A7-0D47D46661E3}" srcOrd="0" destOrd="0" presId="urn:microsoft.com/office/officeart/2011/layout/CircleProcess"/>
     <dgm:cxn modelId="{F340293C-03F2-4B40-A455-FDD315F71769}" srcId="{C810F976-FF2A-4672-88F0-7F897003CD47}" destId="{1B81FE34-322B-4F92-BC08-DE70EF9CC0C2}" srcOrd="1" destOrd="0" parTransId="{F0977C2F-D776-476E-B712-67E0DB63F2C9}" sibTransId="{944A5FE9-62C4-45D4-931D-7E8F078B6107}"/>
+    <dgm:cxn modelId="{35C53BE1-94E0-43FB-8CAB-34BBB66F772E}" type="presOf" srcId="{1B81FE34-322B-4F92-BC08-DE70EF9CC0C2}" destId="{FC378788-5212-48F7-9D8F-95994B6535CE}" srcOrd="0" destOrd="0" presId="urn:microsoft.com/office/officeart/2011/layout/CircleProcess"/>
+    <dgm:cxn modelId="{3B3C45F6-5F1D-49EF-AE35-E199260AD550}" type="presOf" srcId="{F9D32A86-A2F2-4552-A0C9-BE50468E936C}" destId="{ED6513D9-4DD4-43B4-92FF-0D65391744ED}" srcOrd="0" destOrd="1" presId="urn:microsoft.com/office/officeart/2011/layout/CircleProcess"/>
+    <dgm:cxn modelId="{C408E31B-EC3D-4909-9ADD-0265348C962B}" type="presOf" srcId="{09A1A444-9478-4380-B6FB-08C7E054DC9A}" destId="{A4DA8A80-0601-4E9F-94AF-2B9B56D7DE23}" srcOrd="0" destOrd="0" presId="urn:microsoft.com/office/officeart/2011/layout/CircleProcess"/>
+    <dgm:cxn modelId="{98EF3529-131F-4025-9B7C-216BEA0B89D7}" srcId="{8EC15D93-C518-4ED4-94C6-639D71DC6A7B}" destId="{4A73A408-476C-48C7-B10D-4E4A1E50F2FD}" srcOrd="0" destOrd="0" parTransId="{A4D22C62-52F8-49CC-B1CF-3A5F3AF1E64A}" sibTransId="{D0759A46-EAAE-47D8-879E-F0CB8FF3D759}"/>
+    <dgm:cxn modelId="{1E023264-1E93-456A-A42B-1D056E22A433}" srcId="{2045027D-26AB-418A-AB61-53C65555E891}" destId="{02BC6D12-E5C7-4AB7-8CB0-7A0DB91AE2A8}" srcOrd="2" destOrd="0" parTransId="{F6BEB754-6E85-4EB1-B1A2-FA536C0A6D11}" sibTransId="{F7B79EF9-F98C-472E-A011-82EF4ACA5784}"/>
     <dgm:cxn modelId="{3136E7C6-7305-4F1D-A210-71CBA3E8DE0C}" srcId="{2045027D-26AB-418A-AB61-53C65555E891}" destId="{09E00C09-A842-4459-9376-0D9A00D0F518}" srcOrd="0" destOrd="0" parTransId="{544663F1-3951-4B9C-B504-B13643D7BBDF}" sibTransId="{1D11D304-33FF-4A93-B629-F487EAD7B1AE}"/>
-    <dgm:cxn modelId="{7FB19956-6DE8-41F2-AFD5-5364326C7C15}" type="presOf" srcId="{8EC15D93-C518-4ED4-94C6-639D71DC6A7B}" destId="{C5E96749-A8FE-43CB-ADB7-F3CACE50D22A}" srcOrd="0" destOrd="0" presId="urn:microsoft.com/office/officeart/2011/layout/CircleProcess"/>
+    <dgm:cxn modelId="{59D39A24-0A98-49D8-A7E0-69411D4252BD}" srcId="{395A32BF-418F-4F11-85B9-E1941D67EBA6}" destId="{F9D32A86-A2F2-4552-A0C9-BE50468E936C}" srcOrd="1" destOrd="0" parTransId="{20664BD4-0FA2-4FE1-AC8E-0D065A8E45B8}" sibTransId="{4B5522BA-2A21-43CE-948E-5F9252FFC951}"/>
     <dgm:cxn modelId="{3EB39C87-E4B2-437F-953A-3EE5125E669D}" srcId="{C810F976-FF2A-4672-88F0-7F897003CD47}" destId="{395A32BF-418F-4F11-85B9-E1941D67EBA6}" srcOrd="2" destOrd="0" parTransId="{E927FE92-2053-49A4-BCE3-E614BA0603CC}" sibTransId="{855DD527-E056-4521-B0D2-35F1ED10670E}"/>
-    <dgm:cxn modelId="{267D90F7-FF4F-497A-90B9-D7839574A327}" srcId="{C810F976-FF2A-4672-88F0-7F897003CD47}" destId="{2045027D-26AB-418A-AB61-53C65555E891}" srcOrd="4" destOrd="0" parTransId="{3E96E7F5-266C-4297-84E6-A90FBC773121}" sibTransId="{8FDCCA68-8EFF-4E00-9EEF-971E24163E3E}"/>
-    <dgm:cxn modelId="{5A5696FB-C799-4A8E-BCD1-8565C719721A}" type="presOf" srcId="{2045027D-26AB-418A-AB61-53C65555E891}" destId="{9DB914DC-DF50-4CE8-9935-84B8EDEAAA98}" srcOrd="0" destOrd="0" presId="urn:microsoft.com/office/officeart/2011/layout/CircleProcess"/>
     <dgm:cxn modelId="{D593E1AF-DD07-4A17-8E46-2CF20A644CA4}" type="presOf" srcId="{4412B31A-66C6-4F98-8203-4337044DAA05}" destId="{ED6513D9-4DD4-43B4-92FF-0D65391744ED}" srcOrd="0" destOrd="0" presId="urn:microsoft.com/office/officeart/2011/layout/CircleProcess"/>
-    <dgm:cxn modelId="{E76CC2A6-F14D-4940-A6B6-8123A24844A5}" srcId="{AD21D6F9-A0D4-4228-A942-FA8765EDC8A0}" destId="{BE822E21-9611-42ED-B94D-7B6AB95BD985}" srcOrd="1" destOrd="0" parTransId="{30F52FD5-38FE-464D-97CF-B5490F001E0B}" sibTransId="{223238E2-FEA5-40F0-854A-E0A3A9A62D4F}"/>
-    <dgm:cxn modelId="{78D7EB31-A0CC-4569-A872-49765BE2607A}" type="presOf" srcId="{8EC15D93-C518-4ED4-94C6-639D71DC6A7B}" destId="{4575A9F2-1027-4623-BF96-F542C01DD681}" srcOrd="1" destOrd="0" presId="urn:microsoft.com/office/officeart/2011/layout/CircleProcess"/>
-    <dgm:cxn modelId="{E006D347-A63F-4A27-B5F7-3512C64F2830}" srcId="{C810F976-FF2A-4672-88F0-7F897003CD47}" destId="{AD21D6F9-A0D4-4228-A942-FA8765EDC8A0}" srcOrd="3" destOrd="0" parTransId="{9FADA0E1-2B44-4A53-937D-167F8F2D1846}" sibTransId="{13D50D2F-69E9-44EC-B359-15D5D77BB37F}"/>
-    <dgm:cxn modelId="{BE42B0FA-9F52-47CD-83D5-DDE3580A1673}" type="presOf" srcId="{395A32BF-418F-4F11-85B9-E1941D67EBA6}" destId="{3594FE27-A66B-4291-83A7-0D47D46661E3}" srcOrd="0" destOrd="0" presId="urn:microsoft.com/office/officeart/2011/layout/CircleProcess"/>
-    <dgm:cxn modelId="{3B3C45F6-5F1D-49EF-AE35-E199260AD550}" type="presOf" srcId="{F9D32A86-A2F2-4552-A0C9-BE50468E936C}" destId="{ED6513D9-4DD4-43B4-92FF-0D65391744ED}" srcOrd="0" destOrd="1" presId="urn:microsoft.com/office/officeart/2011/layout/CircleProcess"/>
-    <dgm:cxn modelId="{8D10A5D0-79C1-4CE1-AF23-667241890A91}" type="presOf" srcId="{09E00C09-A842-4459-9376-0D9A00D0F518}" destId="{84EE59AC-9B3B-4643-82E1-F2201F115E6A}" srcOrd="0" destOrd="0" presId="urn:microsoft.com/office/officeart/2011/layout/CircleProcess"/>
-    <dgm:cxn modelId="{98EF3529-131F-4025-9B7C-216BEA0B89D7}" srcId="{8EC15D93-C518-4ED4-94C6-639D71DC6A7B}" destId="{4A73A408-476C-48C7-B10D-4E4A1E50F2FD}" srcOrd="0" destOrd="0" parTransId="{A4D22C62-52F8-49CC-B1CF-3A5F3AF1E64A}" sibTransId="{D0759A46-EAAE-47D8-879E-F0CB8FF3D759}"/>
-    <dgm:cxn modelId="{686BBF51-9074-41AF-8419-9446E050E841}" type="presOf" srcId="{BE822E21-9611-42ED-B94D-7B6AB95BD985}" destId="{69EA7B84-4CBF-432C-A1ED-11038719AEC8}" srcOrd="0" destOrd="1" presId="urn:microsoft.com/office/officeart/2011/layout/CircleProcess"/>
-    <dgm:cxn modelId="{249296D3-E59E-4DED-9E19-B9EDBAC4D466}" srcId="{2045027D-26AB-418A-AB61-53C65555E891}" destId="{1B921C72-A9E2-4CA2-98A9-9898E98A32C8}" srcOrd="1" destOrd="0" parTransId="{BEF8D091-2604-4605-B3E0-0B5BFB5E3EEB}" sibTransId="{F1B51C9F-403F-483F-894C-59D216CD4AC7}"/>
-    <dgm:cxn modelId="{B714ADEA-0C31-473D-B4EF-1E273056C014}" type="presOf" srcId="{4A73A408-476C-48C7-B10D-4E4A1E50F2FD}" destId="{FCB68933-6101-4867-BEE9-4A84521EA961}" srcOrd="0" destOrd="0" presId="urn:microsoft.com/office/officeart/2011/layout/CircleProcess"/>
-    <dgm:cxn modelId="{63657AAE-AC82-4161-8839-450679199CBA}" type="presOf" srcId="{1B81FE34-322B-4F92-BC08-DE70EF9CC0C2}" destId="{C93A96B9-29DF-408C-B03D-62E97D5A184E}" srcOrd="1" destOrd="0" presId="urn:microsoft.com/office/officeart/2011/layout/CircleProcess"/>
-    <dgm:cxn modelId="{FF298E61-0E2E-4D9D-91E0-A155AC4CD2C2}" type="presOf" srcId="{1B921C72-A9E2-4CA2-98A9-9898E98A32C8}" destId="{84EE59AC-9B3B-4643-82E1-F2201F115E6A}" srcOrd="0" destOrd="1" presId="urn:microsoft.com/office/officeart/2011/layout/CircleProcess"/>
-    <dgm:cxn modelId="{3CC1C2CE-FAAE-4309-9FC0-A4D192D69CD8}" type="presOf" srcId="{2045027D-26AB-418A-AB61-53C65555E891}" destId="{B00C3B7F-41CA-4D63-AE10-7FB3BAA2A77D}" srcOrd="1" destOrd="0" presId="urn:microsoft.com/office/officeart/2011/layout/CircleProcess"/>
-    <dgm:cxn modelId="{DC363A44-22BA-4BC4-B83B-49A0DB7C5C82}" type="presOf" srcId="{395A32BF-418F-4F11-85B9-E1941D67EBA6}" destId="{D7624080-9B86-4A5B-BC7C-157E570686F1}" srcOrd="1" destOrd="0" presId="urn:microsoft.com/office/officeart/2011/layout/CircleProcess"/>
-    <dgm:cxn modelId="{5765038E-225C-46B7-81B2-066322EFC847}" srcId="{AD21D6F9-A0D4-4228-A942-FA8765EDC8A0}" destId="{4EC40252-BB59-4193-AA85-E912B790E9D7}" srcOrd="0" destOrd="0" parTransId="{F135134C-2065-4793-B641-89D8318A06A3}" sibTransId="{4DC263DB-4C96-49F7-9953-F535AB2F102A}"/>
-    <dgm:cxn modelId="{314EB42F-AAF1-49C4-8BB4-DEA71ADB834E}" type="presOf" srcId="{AD21D6F9-A0D4-4228-A942-FA8765EDC8A0}" destId="{F9A2D214-A363-4951-9544-2FDA0D9A0E64}" srcOrd="0" destOrd="0" presId="urn:microsoft.com/office/officeart/2011/layout/CircleProcess"/>
-    <dgm:cxn modelId="{90D2D791-1190-437B-ABB5-13BAD5F1DC36}" srcId="{C810F976-FF2A-4672-88F0-7F897003CD47}" destId="{8EC15D93-C518-4ED4-94C6-639D71DC6A7B}" srcOrd="0" destOrd="0" parTransId="{E956CC5E-7B8B-4D84-BC68-5AA69BF95015}" sibTransId="{50FD92AB-F45D-4D12-A6D3-5602EDB69880}"/>
-    <dgm:cxn modelId="{D6DF4410-D8EE-4654-9D49-64ACEE303310}" type="presOf" srcId="{AD21D6F9-A0D4-4228-A942-FA8765EDC8A0}" destId="{D5F5446C-80DF-4769-A19C-AF3B1515FBA3}" srcOrd="1" destOrd="0" presId="urn:microsoft.com/office/officeart/2011/layout/CircleProcess"/>
-    <dgm:cxn modelId="{946A678C-F3BB-42C3-8C8F-2A44032CAB8F}" type="presOf" srcId="{C810F976-FF2A-4672-88F0-7F897003CD47}" destId="{11E49C58-612B-43ED-9F40-2054B6117751}" srcOrd="0" destOrd="0" presId="urn:microsoft.com/office/officeart/2011/layout/CircleProcess"/>
-    <dgm:cxn modelId="{C408E31B-EC3D-4909-9ADD-0265348C962B}" type="presOf" srcId="{09A1A444-9478-4380-B6FB-08C7E054DC9A}" destId="{A4DA8A80-0601-4E9F-94AF-2B9B56D7DE23}" srcOrd="0" destOrd="0" presId="urn:microsoft.com/office/officeart/2011/layout/CircleProcess"/>
-    <dgm:cxn modelId="{101426F4-E091-4E6E-AF3F-6DE0F5331CF1}" srcId="{1B81FE34-322B-4F92-BC08-DE70EF9CC0C2}" destId="{09A1A444-9478-4380-B6FB-08C7E054DC9A}" srcOrd="0" destOrd="0" parTransId="{FD2725BF-EFA8-403E-84BF-B50C973E44BF}" sibTransId="{8F773AB4-8B14-4F10-937C-8BD6F5A65DC1}"/>
-    <dgm:cxn modelId="{35C53BE1-94E0-43FB-8CAB-34BBB66F772E}" type="presOf" srcId="{1B81FE34-322B-4F92-BC08-DE70EF9CC0C2}" destId="{FC378788-5212-48F7-9D8F-95994B6535CE}" srcOrd="0" destOrd="0" presId="urn:microsoft.com/office/officeart/2011/layout/CircleProcess"/>
-    <dgm:cxn modelId="{ED18B8EA-EC9B-4BFE-8C4F-8BBF48C13FD6}" srcId="{395A32BF-418F-4F11-85B9-E1941D67EBA6}" destId="{4412B31A-66C6-4F98-8203-4337044DAA05}" srcOrd="0" destOrd="0" parTransId="{E843C8B3-94A6-4444-AAA6-0448A14B4B58}" sibTransId="{86C61207-2AD9-429C-B16E-6AE10FDFB173}"/>
-    <dgm:cxn modelId="{59D39A24-0A98-49D8-A7E0-69411D4252BD}" srcId="{395A32BF-418F-4F11-85B9-E1941D67EBA6}" destId="{F9D32A86-A2F2-4552-A0C9-BE50468E936C}" srcOrd="1" destOrd="0" parTransId="{20664BD4-0FA2-4FE1-AC8E-0D065A8E45B8}" sibTransId="{4B5522BA-2A21-43CE-948E-5F9252FFC951}"/>
     <dgm:cxn modelId="{6AACB915-CA89-44AB-9D97-A1AE6F51E895}" type="presOf" srcId="{4EC40252-BB59-4193-AA85-E912B790E9D7}" destId="{69EA7B84-4CBF-432C-A1ED-11038719AEC8}" srcOrd="0" destOrd="0" presId="urn:microsoft.com/office/officeart/2011/layout/CircleProcess"/>
     <dgm:cxn modelId="{53FA5AF6-E479-4F78-8935-444809447D28}" type="presParOf" srcId="{11E49C58-612B-43ED-9F40-2054B6117751}" destId="{8D364FAD-0D9D-46AE-B365-8C502CA523D1}" srcOrd="0" destOrd="0" presId="urn:microsoft.com/office/officeart/2011/layout/CircleProcess"/>
     <dgm:cxn modelId="{696595BF-A16C-42E5-B0B8-1684AA91F896}" type="presParOf" srcId="{8D364FAD-0D9D-46AE-B365-8C502CA523D1}" destId="{0B65F087-A468-4001-82FF-5161FFC3817E}" srcOrd="0" destOrd="0" presId="urn:microsoft.com/office/officeart/2011/layout/CircleProcess"/>
@@ -1869,7 +2008,11 @@
           </a:pPr>
           <a:r>
             <a:rPr lang="en-US" sz="900" kern="1200" dirty="0" smtClean="0"/>
-            <a:t>Summary metrics per cluster and variable.</a:t>
+            <a:t>Summary metrics per cluster and </a:t>
+          </a:r>
+          <a:r>
+            <a:rPr lang="en-US" sz="900" kern="1200" dirty="0" smtClean="0"/>
+            <a:t>variable, and  summarize results in an unique excel file.</a:t>
           </a:r>
           <a:endParaRPr lang="es-CO" sz="900" kern="1200" dirty="0"/>
         </a:p>
@@ -1949,7 +2092,26 @@
           </a:pPr>
           <a:r>
             <a:rPr lang="es-CO" sz="700" kern="1200" dirty="0" err="1" smtClean="0"/>
-            <a:t>summary_function_no_región.R</a:t>
+            <a:t>summary_function_no_region.R</a:t>
+          </a:r>
+          <a:endParaRPr lang="es-CO" sz="700" kern="1200" dirty="0"/>
+        </a:p>
+        <a:p>
+          <a:pPr marL="57150" lvl="1" indent="-57150" algn="l" defTabSz="311150">
+            <a:lnSpc>
+              <a:spcPct val="90000"/>
+            </a:lnSpc>
+            <a:spcBef>
+              <a:spcPct val="0"/>
+            </a:spcBef>
+            <a:spcAft>
+              <a:spcPct val="15000"/>
+            </a:spcAft>
+            <a:buChar char="••"/>
+          </a:pPr>
+          <a:r>
+            <a:rPr lang="es-CO" sz="700" kern="1200" dirty="0" err="1" smtClean="0"/>
+            <a:t>summary_files.R</a:t>
           </a:r>
           <a:endParaRPr lang="es-CO" sz="700" kern="1200" dirty="0"/>
         </a:p>
@@ -8571,7 +8733,7 @@
           <a:p>
             <a:fld id="{3BE51077-B1E8-4678-992A-6FC9BA616D0D}" type="datetimeFigureOut">
               <a:rPr lang="es-CO" smtClean="0"/>
-              <a:t>10/04/2018</a:t>
+              <a:t>11/04/2018</a:t>
             </a:fld>
             <a:endParaRPr lang="es-CO"/>
           </a:p>
@@ -8741,7 +8903,7 @@
           <a:p>
             <a:fld id="{3BE51077-B1E8-4678-992A-6FC9BA616D0D}" type="datetimeFigureOut">
               <a:rPr lang="es-CO" smtClean="0"/>
-              <a:t>10/04/2018</a:t>
+              <a:t>11/04/2018</a:t>
             </a:fld>
             <a:endParaRPr lang="es-CO"/>
           </a:p>
@@ -8921,7 +9083,7 @@
           <a:p>
             <a:fld id="{3BE51077-B1E8-4678-992A-6FC9BA616D0D}" type="datetimeFigureOut">
               <a:rPr lang="es-CO" smtClean="0"/>
-              <a:t>10/04/2018</a:t>
+              <a:t>11/04/2018</a:t>
             </a:fld>
             <a:endParaRPr lang="es-CO"/>
           </a:p>
@@ -9091,7 +9253,7 @@
           <a:p>
             <a:fld id="{3BE51077-B1E8-4678-992A-6FC9BA616D0D}" type="datetimeFigureOut">
               <a:rPr lang="es-CO" smtClean="0"/>
-              <a:t>10/04/2018</a:t>
+              <a:t>11/04/2018</a:t>
             </a:fld>
             <a:endParaRPr lang="es-CO"/>
           </a:p>
@@ -9337,7 +9499,7 @@
           <a:p>
             <a:fld id="{3BE51077-B1E8-4678-992A-6FC9BA616D0D}" type="datetimeFigureOut">
               <a:rPr lang="es-CO" smtClean="0"/>
-              <a:t>10/04/2018</a:t>
+              <a:t>11/04/2018</a:t>
             </a:fld>
             <a:endParaRPr lang="es-CO"/>
           </a:p>
@@ -9569,7 +9731,7 @@
           <a:p>
             <a:fld id="{3BE51077-B1E8-4678-992A-6FC9BA616D0D}" type="datetimeFigureOut">
               <a:rPr lang="es-CO" smtClean="0"/>
-              <a:t>10/04/2018</a:t>
+              <a:t>11/04/2018</a:t>
             </a:fld>
             <a:endParaRPr lang="es-CO"/>
           </a:p>
@@ -9936,7 +10098,7 @@
           <a:p>
             <a:fld id="{3BE51077-B1E8-4678-992A-6FC9BA616D0D}" type="datetimeFigureOut">
               <a:rPr lang="es-CO" smtClean="0"/>
-              <a:t>10/04/2018</a:t>
+              <a:t>11/04/2018</a:t>
             </a:fld>
             <a:endParaRPr lang="es-CO"/>
           </a:p>
@@ -10054,7 +10216,7 @@
           <a:p>
             <a:fld id="{3BE51077-B1E8-4678-992A-6FC9BA616D0D}" type="datetimeFigureOut">
               <a:rPr lang="es-CO" smtClean="0"/>
-              <a:t>10/04/2018</a:t>
+              <a:t>11/04/2018</a:t>
             </a:fld>
             <a:endParaRPr lang="es-CO"/>
           </a:p>
@@ -10149,7 +10311,7 @@
           <a:p>
             <a:fld id="{3BE51077-B1E8-4678-992A-6FC9BA616D0D}" type="datetimeFigureOut">
               <a:rPr lang="es-CO" smtClean="0"/>
-              <a:t>10/04/2018</a:t>
+              <a:t>11/04/2018</a:t>
             </a:fld>
             <a:endParaRPr lang="es-CO"/>
           </a:p>
@@ -10426,7 +10588,7 @@
           <a:p>
             <a:fld id="{3BE51077-B1E8-4678-992A-6FC9BA616D0D}" type="datetimeFigureOut">
               <a:rPr lang="es-CO" smtClean="0"/>
-              <a:t>10/04/2018</a:t>
+              <a:t>11/04/2018</a:t>
             </a:fld>
             <a:endParaRPr lang="es-CO"/>
           </a:p>
@@ -10679,7 +10841,7 @@
           <a:p>
             <a:fld id="{3BE51077-B1E8-4678-992A-6FC9BA616D0D}" type="datetimeFigureOut">
               <a:rPr lang="es-CO" smtClean="0"/>
-              <a:t>10/04/2018</a:t>
+              <a:t>11/04/2018</a:t>
             </a:fld>
             <a:endParaRPr lang="es-CO"/>
           </a:p>
@@ -10892,7 +11054,7 @@
           <a:p>
             <a:fld id="{3BE51077-B1E8-4678-992A-6FC9BA616D0D}" type="datetimeFigureOut">
               <a:rPr lang="es-CO" smtClean="0"/>
-              <a:t>10/04/2018</a:t>
+              <a:t>11/04/2018</a:t>
             </a:fld>
             <a:endParaRPr lang="es-CO"/>
           </a:p>
@@ -11356,6 +11518,1916 @@
 </p:sld>
 </file>
 
+<file path=ppt/slides/slide10.xml><?xml version="1.0" encoding="utf-8"?>
+<p:sld xmlns:a="http://schemas.openxmlformats.org/drawingml/2006/main" xmlns:r="http://schemas.openxmlformats.org/officeDocument/2006/relationships" xmlns:p="http://schemas.openxmlformats.org/presentationml/2006/main">
+  <p:cSld>
+    <p:spTree>
+      <p:nvGrpSpPr>
+        <p:cNvPr id="1" name=""/>
+        <p:cNvGrpSpPr/>
+        <p:nvPr/>
+      </p:nvGrpSpPr>
+      <p:grpSpPr>
+        <a:xfrm>
+          <a:off x="0" y="0"/>
+          <a:ext cx="0" cy="0"/>
+          <a:chOff x="0" y="0"/>
+          <a:chExt cx="0" cy="0"/>
+        </a:xfrm>
+      </p:grpSpPr>
+      <p:sp>
+        <p:nvSpPr>
+          <p:cNvPr id="7" name="Title 6"/>
+          <p:cNvSpPr>
+            <a:spLocks noGrp="1"/>
+          </p:cNvSpPr>
+          <p:nvPr>
+            <p:ph type="title"/>
+          </p:nvPr>
+        </p:nvSpPr>
+        <p:spPr/>
+        <p:txBody>
+          <a:bodyPr/>
+          <a:lstStyle/>
+          <a:p>
+            <a:endParaRPr lang="es-CO"/>
+          </a:p>
+        </p:txBody>
+      </p:sp>
+      <p:sp>
+        <p:nvSpPr>
+          <p:cNvPr id="8" name="Text Placeholder 7"/>
+          <p:cNvSpPr>
+            <a:spLocks noGrp="1"/>
+          </p:cNvSpPr>
+          <p:nvPr>
+            <p:ph type="body" idx="1"/>
+          </p:nvPr>
+        </p:nvSpPr>
+        <p:spPr/>
+        <p:txBody>
+          <a:bodyPr/>
+          <a:lstStyle/>
+          <a:p>
+            <a:r>
+              <a:rPr lang="en-US" dirty="0" smtClean="0"/>
+              <a:t>No enough strong correlations to use multivariate approaches</a:t>
+            </a:r>
+            <a:endParaRPr lang="es-CO" dirty="0" smtClean="0"/>
+          </a:p>
+        </p:txBody>
+      </p:sp>
+      <p:sp>
+        <p:nvSpPr>
+          <p:cNvPr id="9" name="Text Placeholder 8"/>
+          <p:cNvSpPr>
+            <a:spLocks noGrp="1"/>
+          </p:cNvSpPr>
+          <p:nvPr>
+            <p:ph type="body" sz="quarter" idx="3"/>
+          </p:nvPr>
+        </p:nvSpPr>
+        <p:spPr/>
+        <p:txBody>
+          <a:bodyPr>
+            <a:normAutofit fontScale="92500" lnSpcReduction="20000"/>
+          </a:bodyPr>
+          <a:lstStyle/>
+          <a:p>
+            <a:r>
+              <a:rPr lang="en-US" dirty="0" smtClean="0"/>
+              <a:t>Region, </a:t>
+            </a:r>
+            <a:r>
+              <a:rPr lang="en-US" dirty="0" err="1" smtClean="0"/>
+              <a:t>headsex</a:t>
+            </a:r>
+            <a:r>
+              <a:rPr lang="en-US" dirty="0" smtClean="0"/>
+              <a:t> ,</a:t>
+            </a:r>
+            <a:r>
+              <a:rPr lang="en-US" dirty="0" err="1" smtClean="0"/>
+              <a:t>elcsa</a:t>
+            </a:r>
+            <a:r>
+              <a:rPr lang="en-US" dirty="0" smtClean="0"/>
+              <a:t> categories, education level have interesting relationship  each others ( black)</a:t>
+            </a:r>
+            <a:endParaRPr lang="es-CO" dirty="0"/>
+          </a:p>
+        </p:txBody>
+      </p:sp>
+      <p:pic>
+        <p:nvPicPr>
+          <p:cNvPr id="13" name="Content Placeholder 12"/>
+          <p:cNvPicPr>
+            <a:picLocks noGrp="1" noChangeAspect="1"/>
+          </p:cNvPicPr>
+          <p:nvPr>
+            <p:ph sz="quarter" idx="4"/>
+          </p:nvPr>
+        </p:nvPicPr>
+        <p:blipFill>
+          <a:blip r:embed="rId2">
+            <a:extLst>
+              <a:ext uri="{28A0092B-C50C-407E-A947-70E740481C1C}">
+                <a14:useLocalDpi xmlns:a14="http://schemas.microsoft.com/office/drawing/2010/main" val="0"/>
+              </a:ext>
+            </a:extLst>
+          </a:blip>
+          <a:stretch>
+            <a:fillRect/>
+          </a:stretch>
+        </p:blipFill>
+        <p:spPr>
+          <a:xfrm>
+            <a:off x="6172200" y="2619640"/>
+            <a:ext cx="5183188" cy="3455458"/>
+          </a:xfrm>
+        </p:spPr>
+      </p:pic>
+      <p:pic>
+        <p:nvPicPr>
+          <p:cNvPr id="16" name="Content Placeholder 15"/>
+          <p:cNvPicPr>
+            <a:picLocks noGrp="1" noChangeAspect="1"/>
+          </p:cNvPicPr>
+          <p:nvPr>
+            <p:ph sz="half" idx="2"/>
+          </p:nvPr>
+        </p:nvPicPr>
+        <p:blipFill>
+          <a:blip r:embed="rId3" cstate="print">
+            <a:extLst>
+              <a:ext uri="{28A0092B-C50C-407E-A947-70E740481C1C}">
+                <a14:useLocalDpi xmlns:a14="http://schemas.microsoft.com/office/drawing/2010/main" val="0"/>
+              </a:ext>
+            </a:extLst>
+          </a:blip>
+          <a:stretch>
+            <a:fillRect/>
+          </a:stretch>
+        </p:blipFill>
+        <p:spPr>
+          <a:xfrm>
+            <a:off x="1576387" y="2505075"/>
+            <a:ext cx="3684588" cy="3684588"/>
+          </a:xfrm>
+        </p:spPr>
+      </p:pic>
+    </p:spTree>
+    <p:extLst>
+      <p:ext uri="{BB962C8B-B14F-4D97-AF65-F5344CB8AC3E}">
+        <p14:creationId xmlns:p14="http://schemas.microsoft.com/office/powerpoint/2010/main" val="3680154022"/>
+      </p:ext>
+    </p:extLst>
+  </p:cSld>
+  <p:clrMapOvr>
+    <a:masterClrMapping/>
+  </p:clrMapOvr>
+</p:sld>
+</file>
+
+<file path=ppt/slides/slide11.xml><?xml version="1.0" encoding="utf-8"?>
+<p:sld xmlns:a="http://schemas.openxmlformats.org/drawingml/2006/main" xmlns:r="http://schemas.openxmlformats.org/officeDocument/2006/relationships" xmlns:p="http://schemas.openxmlformats.org/presentationml/2006/main">
+  <p:cSld>
+    <p:spTree>
+      <p:nvGrpSpPr>
+        <p:cNvPr id="1" name=""/>
+        <p:cNvGrpSpPr/>
+        <p:nvPr/>
+      </p:nvGrpSpPr>
+      <p:grpSpPr>
+        <a:xfrm>
+          <a:off x="0" y="0"/>
+          <a:ext cx="0" cy="0"/>
+          <a:chOff x="0" y="0"/>
+          <a:chExt cx="0" cy="0"/>
+        </a:xfrm>
+      </p:grpSpPr>
+      <p:sp>
+        <p:nvSpPr>
+          <p:cNvPr id="2" name="Title 1"/>
+          <p:cNvSpPr>
+            <a:spLocks noGrp="1"/>
+          </p:cNvSpPr>
+          <p:nvPr>
+            <p:ph type="title"/>
+          </p:nvPr>
+        </p:nvSpPr>
+        <p:spPr/>
+        <p:txBody>
+          <a:bodyPr/>
+          <a:lstStyle/>
+          <a:p>
+            <a:r>
+              <a:rPr lang="en-US" dirty="0" err="1" smtClean="0"/>
+              <a:t>Dendogram</a:t>
+            </a:r>
+            <a:endParaRPr lang="es-CO" dirty="0"/>
+          </a:p>
+        </p:txBody>
+      </p:sp>
+      <p:graphicFrame>
+        <p:nvGraphicFramePr>
+          <p:cNvPr id="6" name="Table 5"/>
+          <p:cNvGraphicFramePr>
+            <a:graphicFrameLocks noGrp="1"/>
+          </p:cNvGraphicFramePr>
+          <p:nvPr>
+            <p:extLst>
+              <p:ext uri="{D42A27DB-BD31-4B8C-83A1-F6EECF244321}">
+                <p14:modId xmlns:p14="http://schemas.microsoft.com/office/powerpoint/2010/main" val="3653996735"/>
+              </p:ext>
+            </p:extLst>
+          </p:nvPr>
+        </p:nvGraphicFramePr>
+        <p:xfrm>
+          <a:off x="8801100" y="485934"/>
+          <a:ext cx="1982230" cy="762000"/>
+        </p:xfrm>
+        <a:graphic>
+          <a:graphicData uri="http://schemas.openxmlformats.org/drawingml/2006/table">
+            <a:tbl>
+              <a:tblPr/>
+              <a:tblGrid>
+                <a:gridCol w="609600"/>
+                <a:gridCol w="1372630"/>
+              </a:tblGrid>
+              <a:tr h="190500">
+                <a:tc>
+                  <a:txBody>
+                    <a:bodyPr/>
+                    <a:lstStyle/>
+                    <a:p>
+                      <a:pPr algn="l" fontAlgn="b"/>
+                      <a:r>
+                        <a:rPr lang="es-CO" sz="1100" b="0" i="0" u="none" strike="noStrike">
+                          <a:solidFill>
+                            <a:srgbClr val="000000"/>
+                          </a:solidFill>
+                          <a:effectLst/>
+                          <a:latin typeface="Calibri" panose="020F0502020204030204" pitchFamily="34" charset="0"/>
+                        </a:rPr>
+                        <a:t>Cluster</a:t>
+                      </a:r>
+                    </a:p>
+                  </a:txBody>
+                  <a:tcPr marL="9525" marR="9525" marT="9525" marB="0" anchor="b">
+                    <a:lnL>
+                      <a:noFill/>
+                    </a:lnL>
+                    <a:lnR>
+                      <a:noFill/>
+                    </a:lnR>
+                    <a:lnT>
+                      <a:noFill/>
+                    </a:lnT>
+                    <a:lnB>
+                      <a:noFill/>
+                    </a:lnB>
+                  </a:tcPr>
+                </a:tc>
+                <a:tc>
+                  <a:txBody>
+                    <a:bodyPr/>
+                    <a:lstStyle/>
+                    <a:p>
+                      <a:pPr algn="l" fontAlgn="b"/>
+                      <a:r>
+                        <a:rPr lang="es-CO" sz="1100" b="0" i="0" u="none" strike="noStrike">
+                          <a:solidFill>
+                            <a:srgbClr val="000000"/>
+                          </a:solidFill>
+                          <a:effectLst/>
+                          <a:latin typeface="Calibri" panose="020F0502020204030204" pitchFamily="34" charset="0"/>
+                        </a:rPr>
+                        <a:t>Number of individues</a:t>
+                      </a:r>
+                    </a:p>
+                  </a:txBody>
+                  <a:tcPr marL="9525" marR="9525" marT="9525" marB="0" anchor="b">
+                    <a:lnL>
+                      <a:noFill/>
+                    </a:lnL>
+                    <a:lnR>
+                      <a:noFill/>
+                    </a:lnR>
+                    <a:lnT>
+                      <a:noFill/>
+                    </a:lnT>
+                    <a:lnB>
+                      <a:noFill/>
+                    </a:lnB>
+                  </a:tcPr>
+                </a:tc>
+              </a:tr>
+              <a:tr h="190500">
+                <a:tc>
+                  <a:txBody>
+                    <a:bodyPr/>
+                    <a:lstStyle/>
+                    <a:p>
+                      <a:pPr algn="l" fontAlgn="b"/>
+                      <a:r>
+                        <a:rPr lang="es-CO" sz="1100" b="0" i="0" u="none" strike="noStrike">
+                          <a:solidFill>
+                            <a:srgbClr val="000000"/>
+                          </a:solidFill>
+                          <a:effectLst/>
+                          <a:latin typeface="Calibri" panose="020F0502020204030204" pitchFamily="34" charset="0"/>
+                        </a:rPr>
+                        <a:t>1</a:t>
+                      </a:r>
+                    </a:p>
+                  </a:txBody>
+                  <a:tcPr marL="9525" marR="9525" marT="9525" marB="0" anchor="b">
+                    <a:lnL>
+                      <a:noFill/>
+                    </a:lnL>
+                    <a:lnR>
+                      <a:noFill/>
+                    </a:lnR>
+                    <a:lnT>
+                      <a:noFill/>
+                    </a:lnT>
+                    <a:lnB>
+                      <a:noFill/>
+                    </a:lnB>
+                  </a:tcPr>
+                </a:tc>
+                <a:tc>
+                  <a:txBody>
+                    <a:bodyPr/>
+                    <a:lstStyle/>
+                    <a:p>
+                      <a:pPr algn="r" fontAlgn="b"/>
+                      <a:r>
+                        <a:rPr lang="es-CO" sz="1100" b="0" i="0" u="none" strike="noStrike" dirty="0" smtClean="0">
+                          <a:solidFill>
+                            <a:srgbClr val="000000"/>
+                          </a:solidFill>
+                          <a:effectLst/>
+                          <a:latin typeface="Calibri" panose="020F0502020204030204" pitchFamily="34" charset="0"/>
+                        </a:rPr>
+                        <a:t>112</a:t>
+                      </a:r>
+                      <a:endParaRPr lang="es-CO" sz="1100" b="0" i="0" u="none" strike="noStrike" dirty="0">
+                        <a:solidFill>
+                          <a:srgbClr val="000000"/>
+                        </a:solidFill>
+                        <a:effectLst/>
+                        <a:latin typeface="Calibri" panose="020F0502020204030204" pitchFamily="34" charset="0"/>
+                      </a:endParaRPr>
+                    </a:p>
+                  </a:txBody>
+                  <a:tcPr marL="9525" marR="9525" marT="9525" marB="0" anchor="b">
+                    <a:lnL>
+                      <a:noFill/>
+                    </a:lnL>
+                    <a:lnR>
+                      <a:noFill/>
+                    </a:lnR>
+                    <a:lnT>
+                      <a:noFill/>
+                    </a:lnT>
+                    <a:lnB>
+                      <a:noFill/>
+                    </a:lnB>
+                  </a:tcPr>
+                </a:tc>
+              </a:tr>
+              <a:tr h="190500">
+                <a:tc>
+                  <a:txBody>
+                    <a:bodyPr/>
+                    <a:lstStyle/>
+                    <a:p>
+                      <a:pPr algn="l" fontAlgn="b"/>
+                      <a:r>
+                        <a:rPr lang="es-CO" sz="1100" b="0" i="0" u="none" strike="noStrike">
+                          <a:solidFill>
+                            <a:srgbClr val="000000"/>
+                          </a:solidFill>
+                          <a:effectLst/>
+                          <a:latin typeface="Calibri" panose="020F0502020204030204" pitchFamily="34" charset="0"/>
+                        </a:rPr>
+                        <a:t>2</a:t>
+                      </a:r>
+                    </a:p>
+                  </a:txBody>
+                  <a:tcPr marL="9525" marR="9525" marT="9525" marB="0" anchor="b">
+                    <a:lnL>
+                      <a:noFill/>
+                    </a:lnL>
+                    <a:lnR>
+                      <a:noFill/>
+                    </a:lnR>
+                    <a:lnT>
+                      <a:noFill/>
+                    </a:lnT>
+                    <a:lnB>
+                      <a:noFill/>
+                    </a:lnB>
+                  </a:tcPr>
+                </a:tc>
+                <a:tc>
+                  <a:txBody>
+                    <a:bodyPr/>
+                    <a:lstStyle/>
+                    <a:p>
+                      <a:pPr algn="r" fontAlgn="b"/>
+                      <a:r>
+                        <a:rPr lang="es-CO" sz="1100" b="0" i="0" u="none" strike="noStrike" dirty="0" smtClean="0">
+                          <a:solidFill>
+                            <a:srgbClr val="000000"/>
+                          </a:solidFill>
+                          <a:effectLst/>
+                          <a:latin typeface="Calibri" panose="020F0502020204030204" pitchFamily="34" charset="0"/>
+                        </a:rPr>
+                        <a:t>106</a:t>
+                      </a:r>
+                      <a:endParaRPr lang="es-CO" sz="1100" b="0" i="0" u="none" strike="noStrike" dirty="0">
+                        <a:solidFill>
+                          <a:srgbClr val="000000"/>
+                        </a:solidFill>
+                        <a:effectLst/>
+                        <a:latin typeface="Calibri" panose="020F0502020204030204" pitchFamily="34" charset="0"/>
+                      </a:endParaRPr>
+                    </a:p>
+                  </a:txBody>
+                  <a:tcPr marL="9525" marR="9525" marT="9525" marB="0" anchor="b">
+                    <a:lnL>
+                      <a:noFill/>
+                    </a:lnL>
+                    <a:lnR>
+                      <a:noFill/>
+                    </a:lnR>
+                    <a:lnT>
+                      <a:noFill/>
+                    </a:lnT>
+                    <a:lnB>
+                      <a:noFill/>
+                    </a:lnB>
+                  </a:tcPr>
+                </a:tc>
+              </a:tr>
+              <a:tr h="190500">
+                <a:tc>
+                  <a:txBody>
+                    <a:bodyPr/>
+                    <a:lstStyle/>
+                    <a:p>
+                      <a:pPr algn="l" fontAlgn="b"/>
+                      <a:r>
+                        <a:rPr lang="es-CO" sz="1100" b="0" i="0" u="none" strike="noStrike">
+                          <a:solidFill>
+                            <a:srgbClr val="000000"/>
+                          </a:solidFill>
+                          <a:effectLst/>
+                          <a:latin typeface="Calibri" panose="020F0502020204030204" pitchFamily="34" charset="0"/>
+                        </a:rPr>
+                        <a:t>3</a:t>
+                      </a:r>
+                    </a:p>
+                  </a:txBody>
+                  <a:tcPr marL="9525" marR="9525" marT="9525" marB="0" anchor="b">
+                    <a:lnL>
+                      <a:noFill/>
+                    </a:lnL>
+                    <a:lnR>
+                      <a:noFill/>
+                    </a:lnR>
+                    <a:lnT>
+                      <a:noFill/>
+                    </a:lnT>
+                    <a:lnB>
+                      <a:noFill/>
+                    </a:lnB>
+                  </a:tcPr>
+                </a:tc>
+                <a:tc>
+                  <a:txBody>
+                    <a:bodyPr/>
+                    <a:lstStyle/>
+                    <a:p>
+                      <a:pPr algn="r" fontAlgn="b"/>
+                      <a:r>
+                        <a:rPr lang="es-CO" sz="1100" b="0" i="0" u="none" strike="noStrike" dirty="0" smtClean="0">
+                          <a:solidFill>
+                            <a:srgbClr val="000000"/>
+                          </a:solidFill>
+                          <a:effectLst/>
+                          <a:latin typeface="Calibri" panose="020F0502020204030204" pitchFamily="34" charset="0"/>
+                        </a:rPr>
+                        <a:t>121</a:t>
+                      </a:r>
+                      <a:endParaRPr lang="es-CO" sz="1100" b="0" i="0" u="none" strike="noStrike" dirty="0">
+                        <a:solidFill>
+                          <a:srgbClr val="000000"/>
+                        </a:solidFill>
+                        <a:effectLst/>
+                        <a:latin typeface="Calibri" panose="020F0502020204030204" pitchFamily="34" charset="0"/>
+                      </a:endParaRPr>
+                    </a:p>
+                  </a:txBody>
+                  <a:tcPr marL="9525" marR="9525" marT="9525" marB="0" anchor="b">
+                    <a:lnL>
+                      <a:noFill/>
+                    </a:lnL>
+                    <a:lnR>
+                      <a:noFill/>
+                    </a:lnR>
+                    <a:lnT>
+                      <a:noFill/>
+                    </a:lnT>
+                    <a:lnB>
+                      <a:noFill/>
+                    </a:lnB>
+                  </a:tcPr>
+                </a:tc>
+              </a:tr>
+            </a:tbl>
+          </a:graphicData>
+        </a:graphic>
+      </p:graphicFrame>
+      <p:pic>
+        <p:nvPicPr>
+          <p:cNvPr id="7" name="Content Placeholder 6"/>
+          <p:cNvPicPr>
+            <a:picLocks noGrp="1" noChangeAspect="1"/>
+          </p:cNvPicPr>
+          <p:nvPr>
+            <p:ph idx="1"/>
+          </p:nvPr>
+        </p:nvPicPr>
+        <p:blipFill>
+          <a:blip r:embed="rId2" cstate="print">
+            <a:extLst>
+              <a:ext uri="{28A0092B-C50C-407E-A947-70E740481C1C}">
+                <a14:useLocalDpi xmlns:a14="http://schemas.microsoft.com/office/drawing/2010/main" val="0"/>
+              </a:ext>
+            </a:extLst>
+          </a:blip>
+          <a:stretch>
+            <a:fillRect/>
+          </a:stretch>
+        </p:blipFill>
+        <p:spPr>
+          <a:xfrm>
+            <a:off x="838200" y="2423954"/>
+            <a:ext cx="10515600" cy="3154680"/>
+          </a:xfrm>
+        </p:spPr>
+      </p:pic>
+    </p:spTree>
+    <p:extLst>
+      <p:ext uri="{BB962C8B-B14F-4D97-AF65-F5344CB8AC3E}">
+        <p14:creationId xmlns:p14="http://schemas.microsoft.com/office/powerpoint/2010/main" val="2802779281"/>
+      </p:ext>
+    </p:extLst>
+  </p:cSld>
+  <p:clrMapOvr>
+    <a:masterClrMapping/>
+  </p:clrMapOvr>
+</p:sld>
+</file>
+
+<file path=ppt/slides/slide12.xml><?xml version="1.0" encoding="utf-8"?>
+<p:sld xmlns:a="http://schemas.openxmlformats.org/drawingml/2006/main" xmlns:r="http://schemas.openxmlformats.org/officeDocument/2006/relationships" xmlns:p="http://schemas.openxmlformats.org/presentationml/2006/main">
+  <p:cSld>
+    <p:spTree>
+      <p:nvGrpSpPr>
+        <p:cNvPr id="1" name=""/>
+        <p:cNvGrpSpPr/>
+        <p:nvPr/>
+      </p:nvGrpSpPr>
+      <p:grpSpPr>
+        <a:xfrm>
+          <a:off x="0" y="0"/>
+          <a:ext cx="0" cy="0"/>
+          <a:chOff x="0" y="0"/>
+          <a:chExt cx="0" cy="0"/>
+        </a:xfrm>
+      </p:grpSpPr>
+      <p:sp>
+        <p:nvSpPr>
+          <p:cNvPr id="2" name="Title 1"/>
+          <p:cNvSpPr>
+            <a:spLocks noGrp="1"/>
+          </p:cNvSpPr>
+          <p:nvPr>
+            <p:ph type="title"/>
+          </p:nvPr>
+        </p:nvSpPr>
+        <p:spPr/>
+        <p:txBody>
+          <a:bodyPr/>
+          <a:lstStyle/>
+          <a:p>
+            <a:r>
+              <a:rPr lang="en-US" dirty="0" err="1" smtClean="0"/>
+              <a:t>Dendogram</a:t>
+            </a:r>
+            <a:r>
+              <a:rPr lang="en-US" dirty="0" smtClean="0"/>
+              <a:t> without region</a:t>
+            </a:r>
+            <a:endParaRPr lang="es-CO" dirty="0"/>
+          </a:p>
+        </p:txBody>
+      </p:sp>
+      <p:graphicFrame>
+        <p:nvGraphicFramePr>
+          <p:cNvPr id="6" name="Table 5"/>
+          <p:cNvGraphicFramePr>
+            <a:graphicFrameLocks noGrp="1"/>
+          </p:cNvGraphicFramePr>
+          <p:nvPr>
+            <p:extLst/>
+          </p:nvPr>
+        </p:nvGraphicFramePr>
+        <p:xfrm>
+          <a:off x="8801100" y="485934"/>
+          <a:ext cx="1981200" cy="762000"/>
+        </p:xfrm>
+        <a:graphic>
+          <a:graphicData uri="http://schemas.openxmlformats.org/drawingml/2006/table">
+            <a:tbl>
+              <a:tblPr/>
+              <a:tblGrid>
+                <a:gridCol w="609600"/>
+                <a:gridCol w="1371600"/>
+              </a:tblGrid>
+              <a:tr h="190500">
+                <a:tc>
+                  <a:txBody>
+                    <a:bodyPr/>
+                    <a:lstStyle/>
+                    <a:p>
+                      <a:pPr algn="l" fontAlgn="b"/>
+                      <a:r>
+                        <a:rPr lang="es-CO" sz="1100" b="0" i="0" u="none" strike="noStrike">
+                          <a:solidFill>
+                            <a:srgbClr val="000000"/>
+                          </a:solidFill>
+                          <a:effectLst/>
+                          <a:latin typeface="Calibri" panose="020F0502020204030204" pitchFamily="34" charset="0"/>
+                        </a:rPr>
+                        <a:t>Cluster</a:t>
+                      </a:r>
+                    </a:p>
+                  </a:txBody>
+                  <a:tcPr marL="9525" marR="9525" marT="9525" marB="0" anchor="b">
+                    <a:lnL>
+                      <a:noFill/>
+                    </a:lnL>
+                    <a:lnR>
+                      <a:noFill/>
+                    </a:lnR>
+                    <a:lnT>
+                      <a:noFill/>
+                    </a:lnT>
+                    <a:lnB>
+                      <a:noFill/>
+                    </a:lnB>
+                  </a:tcPr>
+                </a:tc>
+                <a:tc>
+                  <a:txBody>
+                    <a:bodyPr/>
+                    <a:lstStyle/>
+                    <a:p>
+                      <a:pPr algn="l" fontAlgn="b"/>
+                      <a:r>
+                        <a:rPr lang="es-CO" sz="1100" b="0" i="0" u="none" strike="noStrike">
+                          <a:solidFill>
+                            <a:srgbClr val="000000"/>
+                          </a:solidFill>
+                          <a:effectLst/>
+                          <a:latin typeface="Calibri" panose="020F0502020204030204" pitchFamily="34" charset="0"/>
+                        </a:rPr>
+                        <a:t>Number of individues</a:t>
+                      </a:r>
+                    </a:p>
+                  </a:txBody>
+                  <a:tcPr marL="9525" marR="9525" marT="9525" marB="0" anchor="b">
+                    <a:lnL>
+                      <a:noFill/>
+                    </a:lnL>
+                    <a:lnR>
+                      <a:noFill/>
+                    </a:lnR>
+                    <a:lnT>
+                      <a:noFill/>
+                    </a:lnT>
+                    <a:lnB>
+                      <a:noFill/>
+                    </a:lnB>
+                  </a:tcPr>
+                </a:tc>
+              </a:tr>
+              <a:tr h="190500">
+                <a:tc>
+                  <a:txBody>
+                    <a:bodyPr/>
+                    <a:lstStyle/>
+                    <a:p>
+                      <a:pPr algn="l" fontAlgn="b"/>
+                      <a:r>
+                        <a:rPr lang="es-CO" sz="1100" b="0" i="0" u="none" strike="noStrike">
+                          <a:solidFill>
+                            <a:srgbClr val="000000"/>
+                          </a:solidFill>
+                          <a:effectLst/>
+                          <a:latin typeface="Calibri" panose="020F0502020204030204" pitchFamily="34" charset="0"/>
+                        </a:rPr>
+                        <a:t>1</a:t>
+                      </a:r>
+                    </a:p>
+                  </a:txBody>
+                  <a:tcPr marL="9525" marR="9525" marT="9525" marB="0" anchor="b">
+                    <a:lnL>
+                      <a:noFill/>
+                    </a:lnL>
+                    <a:lnR>
+                      <a:noFill/>
+                    </a:lnR>
+                    <a:lnT>
+                      <a:noFill/>
+                    </a:lnT>
+                    <a:lnB>
+                      <a:noFill/>
+                    </a:lnB>
+                  </a:tcPr>
+                </a:tc>
+                <a:tc>
+                  <a:txBody>
+                    <a:bodyPr/>
+                    <a:lstStyle/>
+                    <a:p>
+                      <a:pPr algn="r" fontAlgn="b"/>
+                      <a:r>
+                        <a:rPr lang="es-CO" sz="1100" b="0" i="0" u="none" strike="noStrike">
+                          <a:solidFill>
+                            <a:srgbClr val="000000"/>
+                          </a:solidFill>
+                          <a:effectLst/>
+                          <a:latin typeface="Calibri" panose="020F0502020204030204" pitchFamily="34" charset="0"/>
+                        </a:rPr>
+                        <a:t>115</a:t>
+                      </a:r>
+                    </a:p>
+                  </a:txBody>
+                  <a:tcPr marL="9525" marR="9525" marT="9525" marB="0" anchor="b">
+                    <a:lnL>
+                      <a:noFill/>
+                    </a:lnL>
+                    <a:lnR>
+                      <a:noFill/>
+                    </a:lnR>
+                    <a:lnT>
+                      <a:noFill/>
+                    </a:lnT>
+                    <a:lnB>
+                      <a:noFill/>
+                    </a:lnB>
+                  </a:tcPr>
+                </a:tc>
+              </a:tr>
+              <a:tr h="190500">
+                <a:tc>
+                  <a:txBody>
+                    <a:bodyPr/>
+                    <a:lstStyle/>
+                    <a:p>
+                      <a:pPr algn="l" fontAlgn="b"/>
+                      <a:r>
+                        <a:rPr lang="es-CO" sz="1100" b="0" i="0" u="none" strike="noStrike">
+                          <a:solidFill>
+                            <a:srgbClr val="000000"/>
+                          </a:solidFill>
+                          <a:effectLst/>
+                          <a:latin typeface="Calibri" panose="020F0502020204030204" pitchFamily="34" charset="0"/>
+                        </a:rPr>
+                        <a:t>2</a:t>
+                      </a:r>
+                    </a:p>
+                  </a:txBody>
+                  <a:tcPr marL="9525" marR="9525" marT="9525" marB="0" anchor="b">
+                    <a:lnL>
+                      <a:noFill/>
+                    </a:lnL>
+                    <a:lnR>
+                      <a:noFill/>
+                    </a:lnR>
+                    <a:lnT>
+                      <a:noFill/>
+                    </a:lnT>
+                    <a:lnB>
+                      <a:noFill/>
+                    </a:lnB>
+                  </a:tcPr>
+                </a:tc>
+                <a:tc>
+                  <a:txBody>
+                    <a:bodyPr/>
+                    <a:lstStyle/>
+                    <a:p>
+                      <a:pPr algn="r" fontAlgn="b"/>
+                      <a:r>
+                        <a:rPr lang="es-CO" sz="1100" b="0" i="0" u="none" strike="noStrike">
+                          <a:solidFill>
+                            <a:srgbClr val="000000"/>
+                          </a:solidFill>
+                          <a:effectLst/>
+                          <a:latin typeface="Calibri" panose="020F0502020204030204" pitchFamily="34" charset="0"/>
+                        </a:rPr>
+                        <a:t>66</a:t>
+                      </a:r>
+                    </a:p>
+                  </a:txBody>
+                  <a:tcPr marL="9525" marR="9525" marT="9525" marB="0" anchor="b">
+                    <a:lnL>
+                      <a:noFill/>
+                    </a:lnL>
+                    <a:lnR>
+                      <a:noFill/>
+                    </a:lnR>
+                    <a:lnT>
+                      <a:noFill/>
+                    </a:lnT>
+                    <a:lnB>
+                      <a:noFill/>
+                    </a:lnB>
+                  </a:tcPr>
+                </a:tc>
+              </a:tr>
+              <a:tr h="190500">
+                <a:tc>
+                  <a:txBody>
+                    <a:bodyPr/>
+                    <a:lstStyle/>
+                    <a:p>
+                      <a:pPr algn="l" fontAlgn="b"/>
+                      <a:r>
+                        <a:rPr lang="es-CO" sz="1100" b="0" i="0" u="none" strike="noStrike">
+                          <a:solidFill>
+                            <a:srgbClr val="000000"/>
+                          </a:solidFill>
+                          <a:effectLst/>
+                          <a:latin typeface="Calibri" panose="020F0502020204030204" pitchFamily="34" charset="0"/>
+                        </a:rPr>
+                        <a:t>3</a:t>
+                      </a:r>
+                    </a:p>
+                  </a:txBody>
+                  <a:tcPr marL="9525" marR="9525" marT="9525" marB="0" anchor="b">
+                    <a:lnL>
+                      <a:noFill/>
+                    </a:lnL>
+                    <a:lnR>
+                      <a:noFill/>
+                    </a:lnR>
+                    <a:lnT>
+                      <a:noFill/>
+                    </a:lnT>
+                    <a:lnB>
+                      <a:noFill/>
+                    </a:lnB>
+                  </a:tcPr>
+                </a:tc>
+                <a:tc>
+                  <a:txBody>
+                    <a:bodyPr/>
+                    <a:lstStyle/>
+                    <a:p>
+                      <a:pPr algn="r" fontAlgn="b"/>
+                      <a:r>
+                        <a:rPr lang="es-CO" sz="1100" b="0" i="0" u="none" strike="noStrike" dirty="0">
+                          <a:solidFill>
+                            <a:srgbClr val="000000"/>
+                          </a:solidFill>
+                          <a:effectLst/>
+                          <a:latin typeface="Calibri" panose="020F0502020204030204" pitchFamily="34" charset="0"/>
+                        </a:rPr>
+                        <a:t>158</a:t>
+                      </a:r>
+                    </a:p>
+                  </a:txBody>
+                  <a:tcPr marL="9525" marR="9525" marT="9525" marB="0" anchor="b">
+                    <a:lnL>
+                      <a:noFill/>
+                    </a:lnL>
+                    <a:lnR>
+                      <a:noFill/>
+                    </a:lnR>
+                    <a:lnT>
+                      <a:noFill/>
+                    </a:lnT>
+                    <a:lnB>
+                      <a:noFill/>
+                    </a:lnB>
+                  </a:tcPr>
+                </a:tc>
+              </a:tr>
+            </a:tbl>
+          </a:graphicData>
+        </a:graphic>
+      </p:graphicFrame>
+      <p:pic>
+        <p:nvPicPr>
+          <p:cNvPr id="4" name="Content Placeholder 3"/>
+          <p:cNvPicPr>
+            <a:picLocks noGrp="1" noChangeAspect="1"/>
+          </p:cNvPicPr>
+          <p:nvPr>
+            <p:ph idx="1"/>
+          </p:nvPr>
+        </p:nvPicPr>
+        <p:blipFill>
+          <a:blip r:embed="rId2" cstate="print">
+            <a:extLst>
+              <a:ext uri="{28A0092B-C50C-407E-A947-70E740481C1C}">
+                <a14:useLocalDpi xmlns:a14="http://schemas.microsoft.com/office/drawing/2010/main" val="0"/>
+              </a:ext>
+            </a:extLst>
+          </a:blip>
+          <a:stretch>
+            <a:fillRect/>
+          </a:stretch>
+        </p:blipFill>
+        <p:spPr>
+          <a:xfrm>
+            <a:off x="838200" y="2423954"/>
+            <a:ext cx="10515600" cy="3154680"/>
+          </a:xfrm>
+        </p:spPr>
+      </p:pic>
+    </p:spTree>
+    <p:extLst>
+      <p:ext uri="{BB962C8B-B14F-4D97-AF65-F5344CB8AC3E}">
+        <p14:creationId xmlns:p14="http://schemas.microsoft.com/office/powerpoint/2010/main" val="1692727674"/>
+      </p:ext>
+    </p:extLst>
+  </p:cSld>
+  <p:clrMapOvr>
+    <a:masterClrMapping/>
+  </p:clrMapOvr>
+</p:sld>
+</file>
+
+<file path=ppt/slides/slide13.xml><?xml version="1.0" encoding="utf-8"?>
+<p:sld xmlns:a="http://schemas.openxmlformats.org/drawingml/2006/main" xmlns:r="http://schemas.openxmlformats.org/officeDocument/2006/relationships" xmlns:p="http://schemas.openxmlformats.org/presentationml/2006/main">
+  <p:cSld>
+    <p:spTree>
+      <p:nvGrpSpPr>
+        <p:cNvPr id="1" name=""/>
+        <p:cNvGrpSpPr/>
+        <p:nvPr/>
+      </p:nvGrpSpPr>
+      <p:grpSpPr>
+        <a:xfrm>
+          <a:off x="0" y="0"/>
+          <a:ext cx="0" cy="0"/>
+          <a:chOff x="0" y="0"/>
+          <a:chExt cx="0" cy="0"/>
+        </a:xfrm>
+      </p:grpSpPr>
+      <p:sp>
+        <p:nvSpPr>
+          <p:cNvPr id="5" name="Title 4"/>
+          <p:cNvSpPr>
+            <a:spLocks noGrp="1"/>
+          </p:cNvSpPr>
+          <p:nvPr>
+            <p:ph type="title"/>
+          </p:nvPr>
+        </p:nvSpPr>
+        <p:spPr/>
+        <p:txBody>
+          <a:bodyPr/>
+          <a:lstStyle/>
+          <a:p>
+            <a:r>
+              <a:rPr lang="en-US" dirty="0" smtClean="0"/>
+              <a:t>3 clusters suggested</a:t>
+            </a:r>
+            <a:endParaRPr lang="es-CO" dirty="0"/>
+          </a:p>
+        </p:txBody>
+      </p:sp>
+      <p:sp>
+        <p:nvSpPr>
+          <p:cNvPr id="6" name="Text Placeholder 5"/>
+          <p:cNvSpPr>
+            <a:spLocks noGrp="1"/>
+          </p:cNvSpPr>
+          <p:nvPr>
+            <p:ph type="body" idx="1"/>
+          </p:nvPr>
+        </p:nvSpPr>
+        <p:spPr/>
+        <p:txBody>
+          <a:bodyPr/>
+          <a:lstStyle/>
+          <a:p>
+            <a:r>
+              <a:rPr lang="en-US" dirty="0" smtClean="0"/>
+              <a:t>Height criteria</a:t>
+            </a:r>
+            <a:endParaRPr lang="es-CO" dirty="0"/>
+          </a:p>
+        </p:txBody>
+      </p:sp>
+      <p:sp>
+        <p:nvSpPr>
+          <p:cNvPr id="8" name="Text Placeholder 7"/>
+          <p:cNvSpPr>
+            <a:spLocks noGrp="1"/>
+          </p:cNvSpPr>
+          <p:nvPr>
+            <p:ph type="body" sz="quarter" idx="3"/>
+          </p:nvPr>
+        </p:nvSpPr>
+        <p:spPr/>
+        <p:txBody>
+          <a:bodyPr/>
+          <a:lstStyle/>
+          <a:p>
+            <a:r>
+              <a:rPr lang="en-US" dirty="0" err="1" smtClean="0"/>
+              <a:t>Elbox</a:t>
+            </a:r>
+            <a:r>
+              <a:rPr lang="en-US" dirty="0" smtClean="0"/>
+              <a:t> criteria</a:t>
+            </a:r>
+            <a:endParaRPr lang="es-CO" dirty="0"/>
+          </a:p>
+        </p:txBody>
+      </p:sp>
+      <p:pic>
+        <p:nvPicPr>
+          <p:cNvPr id="7" name="Content Placeholder 6"/>
+          <p:cNvPicPr>
+            <a:picLocks noGrp="1" noChangeAspect="1"/>
+          </p:cNvPicPr>
+          <p:nvPr>
+            <p:ph sz="half" idx="2"/>
+          </p:nvPr>
+        </p:nvPicPr>
+        <p:blipFill>
+          <a:blip r:embed="rId2">
+            <a:extLst>
+              <a:ext uri="{28A0092B-C50C-407E-A947-70E740481C1C}">
+                <a14:useLocalDpi xmlns:a14="http://schemas.microsoft.com/office/drawing/2010/main" val="0"/>
+              </a:ext>
+            </a:extLst>
+          </a:blip>
+          <a:stretch>
+            <a:fillRect/>
+          </a:stretch>
+        </p:blipFill>
+        <p:spPr>
+          <a:xfrm>
+            <a:off x="839788" y="2628107"/>
+            <a:ext cx="5157787" cy="3438524"/>
+          </a:xfrm>
+        </p:spPr>
+      </p:pic>
+      <p:pic>
+        <p:nvPicPr>
+          <p:cNvPr id="4" name="Content Placeholder 3"/>
+          <p:cNvPicPr>
+            <a:picLocks noGrp="1" noChangeAspect="1"/>
+          </p:cNvPicPr>
+          <p:nvPr>
+            <p:ph sz="quarter" idx="4"/>
+          </p:nvPr>
+        </p:nvPicPr>
+        <p:blipFill>
+          <a:blip r:embed="rId3" cstate="print">
+            <a:extLst>
+              <a:ext uri="{28A0092B-C50C-407E-A947-70E740481C1C}">
+                <a14:useLocalDpi xmlns:a14="http://schemas.microsoft.com/office/drawing/2010/main" val="0"/>
+              </a:ext>
+            </a:extLst>
+          </a:blip>
+          <a:stretch>
+            <a:fillRect/>
+          </a:stretch>
+        </p:blipFill>
+        <p:spPr>
+          <a:xfrm>
+            <a:off x="6172200" y="3181152"/>
+            <a:ext cx="5183188" cy="2332434"/>
+          </a:xfrm>
+        </p:spPr>
+      </p:pic>
+    </p:spTree>
+    <p:extLst>
+      <p:ext uri="{BB962C8B-B14F-4D97-AF65-F5344CB8AC3E}">
+        <p14:creationId xmlns:p14="http://schemas.microsoft.com/office/powerpoint/2010/main" val="1688977302"/>
+      </p:ext>
+    </p:extLst>
+  </p:cSld>
+  <p:clrMapOvr>
+    <a:masterClrMapping/>
+  </p:clrMapOvr>
+</p:sld>
+</file>
+
+<file path=ppt/slides/slide14.xml><?xml version="1.0" encoding="utf-8"?>
+<p:sld xmlns:a="http://schemas.openxmlformats.org/drawingml/2006/main" xmlns:r="http://schemas.openxmlformats.org/officeDocument/2006/relationships" xmlns:p="http://schemas.openxmlformats.org/presentationml/2006/main">
+  <p:cSld>
+    <p:spTree>
+      <p:nvGrpSpPr>
+        <p:cNvPr id="1" name=""/>
+        <p:cNvGrpSpPr/>
+        <p:nvPr/>
+      </p:nvGrpSpPr>
+      <p:grpSpPr>
+        <a:xfrm>
+          <a:off x="0" y="0"/>
+          <a:ext cx="0" cy="0"/>
+          <a:chOff x="0" y="0"/>
+          <a:chExt cx="0" cy="0"/>
+        </a:xfrm>
+      </p:grpSpPr>
+      <p:sp>
+        <p:nvSpPr>
+          <p:cNvPr id="5" name="Title 4"/>
+          <p:cNvSpPr>
+            <a:spLocks noGrp="1"/>
+          </p:cNvSpPr>
+          <p:nvPr>
+            <p:ph type="title"/>
+          </p:nvPr>
+        </p:nvSpPr>
+        <p:spPr/>
+        <p:txBody>
+          <a:bodyPr/>
+          <a:lstStyle/>
+          <a:p>
+            <a:r>
+              <a:rPr lang="en-US" dirty="0" smtClean="0"/>
+              <a:t>3 clusters </a:t>
+            </a:r>
+            <a:r>
+              <a:rPr lang="en-US" dirty="0" smtClean="0"/>
+              <a:t>suggested without region as variable</a:t>
+            </a:r>
+            <a:endParaRPr lang="es-CO" dirty="0"/>
+          </a:p>
+        </p:txBody>
+      </p:sp>
+      <p:sp>
+        <p:nvSpPr>
+          <p:cNvPr id="6" name="Text Placeholder 5"/>
+          <p:cNvSpPr>
+            <a:spLocks noGrp="1"/>
+          </p:cNvSpPr>
+          <p:nvPr>
+            <p:ph type="body" idx="1"/>
+          </p:nvPr>
+        </p:nvSpPr>
+        <p:spPr/>
+        <p:txBody>
+          <a:bodyPr/>
+          <a:lstStyle/>
+          <a:p>
+            <a:r>
+              <a:rPr lang="en-US" dirty="0" smtClean="0"/>
+              <a:t>Height criteria</a:t>
+            </a:r>
+            <a:endParaRPr lang="es-CO" dirty="0"/>
+          </a:p>
+        </p:txBody>
+      </p:sp>
+      <p:sp>
+        <p:nvSpPr>
+          <p:cNvPr id="8" name="Text Placeholder 7"/>
+          <p:cNvSpPr>
+            <a:spLocks noGrp="1"/>
+          </p:cNvSpPr>
+          <p:nvPr>
+            <p:ph type="body" sz="quarter" idx="3"/>
+          </p:nvPr>
+        </p:nvSpPr>
+        <p:spPr/>
+        <p:txBody>
+          <a:bodyPr/>
+          <a:lstStyle/>
+          <a:p>
+            <a:r>
+              <a:rPr lang="en-US" dirty="0" err="1" smtClean="0"/>
+              <a:t>Elbox</a:t>
+            </a:r>
+            <a:r>
+              <a:rPr lang="en-US" dirty="0" smtClean="0"/>
+              <a:t> criteria</a:t>
+            </a:r>
+            <a:endParaRPr lang="es-CO" dirty="0"/>
+          </a:p>
+        </p:txBody>
+      </p:sp>
+      <p:pic>
+        <p:nvPicPr>
+          <p:cNvPr id="4" name="Content Placeholder 3"/>
+          <p:cNvPicPr>
+            <a:picLocks noGrp="1" noChangeAspect="1"/>
+          </p:cNvPicPr>
+          <p:nvPr>
+            <p:ph sz="half" idx="2"/>
+          </p:nvPr>
+        </p:nvPicPr>
+        <p:blipFill>
+          <a:blip r:embed="rId2">
+            <a:extLst>
+              <a:ext uri="{28A0092B-C50C-407E-A947-70E740481C1C}">
+                <a14:useLocalDpi xmlns:a14="http://schemas.microsoft.com/office/drawing/2010/main" val="0"/>
+              </a:ext>
+            </a:extLst>
+          </a:blip>
+          <a:stretch>
+            <a:fillRect/>
+          </a:stretch>
+        </p:blipFill>
+        <p:spPr>
+          <a:xfrm>
+            <a:off x="839788" y="2628107"/>
+            <a:ext cx="5157787" cy="3438524"/>
+          </a:xfrm>
+        </p:spPr>
+      </p:pic>
+      <p:pic>
+        <p:nvPicPr>
+          <p:cNvPr id="7" name="Content Placeholder 6"/>
+          <p:cNvPicPr>
+            <a:picLocks noGrp="1" noChangeAspect="1"/>
+          </p:cNvPicPr>
+          <p:nvPr>
+            <p:ph sz="quarter" idx="4"/>
+          </p:nvPr>
+        </p:nvPicPr>
+        <p:blipFill>
+          <a:blip r:embed="rId3" cstate="print">
+            <a:extLst>
+              <a:ext uri="{28A0092B-C50C-407E-A947-70E740481C1C}">
+                <a14:useLocalDpi xmlns:a14="http://schemas.microsoft.com/office/drawing/2010/main" val="0"/>
+              </a:ext>
+            </a:extLst>
+          </a:blip>
+          <a:stretch>
+            <a:fillRect/>
+          </a:stretch>
+        </p:blipFill>
+        <p:spPr>
+          <a:xfrm>
+            <a:off x="6172200" y="3181152"/>
+            <a:ext cx="5183188" cy="2332434"/>
+          </a:xfrm>
+        </p:spPr>
+      </p:pic>
+    </p:spTree>
+    <p:extLst>
+      <p:ext uri="{BB962C8B-B14F-4D97-AF65-F5344CB8AC3E}">
+        <p14:creationId xmlns:p14="http://schemas.microsoft.com/office/powerpoint/2010/main" val="2083482871"/>
+      </p:ext>
+    </p:extLst>
+  </p:cSld>
+  <p:clrMapOvr>
+    <a:masterClrMapping/>
+  </p:clrMapOvr>
+</p:sld>
+</file>
+
+<file path=ppt/slides/slide15.xml><?xml version="1.0" encoding="utf-8"?>
+<p:sld xmlns:a="http://schemas.openxmlformats.org/drawingml/2006/main" xmlns:r="http://schemas.openxmlformats.org/officeDocument/2006/relationships" xmlns:p="http://schemas.openxmlformats.org/presentationml/2006/main">
+  <p:cSld>
+    <p:spTree>
+      <p:nvGrpSpPr>
+        <p:cNvPr id="1" name=""/>
+        <p:cNvGrpSpPr/>
+        <p:nvPr/>
+      </p:nvGrpSpPr>
+      <p:grpSpPr>
+        <a:xfrm>
+          <a:off x="0" y="0"/>
+          <a:ext cx="0" cy="0"/>
+          <a:chOff x="0" y="0"/>
+          <a:chExt cx="0" cy="0"/>
+        </a:xfrm>
+      </p:grpSpPr>
+      <p:sp>
+        <p:nvSpPr>
+          <p:cNvPr id="2" name="Title 1"/>
+          <p:cNvSpPr>
+            <a:spLocks noGrp="1"/>
+          </p:cNvSpPr>
+          <p:nvPr>
+            <p:ph type="title"/>
+          </p:nvPr>
+        </p:nvSpPr>
+        <p:spPr/>
+        <p:txBody>
+          <a:bodyPr>
+            <a:normAutofit fontScale="90000"/>
+          </a:bodyPr>
+          <a:lstStyle/>
+          <a:p>
+            <a:r>
+              <a:rPr lang="en-US" dirty="0" smtClean="0"/>
+              <a:t>Example:</a:t>
+            </a:r>
+            <a:br>
+              <a:rPr lang="en-US" dirty="0" smtClean="0"/>
+            </a:br>
+            <a:r>
+              <a:rPr lang="en-US" dirty="0" smtClean="0"/>
+              <a:t>Number </a:t>
+            </a:r>
+            <a:r>
+              <a:rPr lang="en-US" dirty="0"/>
+              <a:t>of ecosystem where species were collected</a:t>
+            </a:r>
+            <a:r>
+              <a:rPr lang="es-CO" dirty="0"/>
+              <a:t/>
+            </a:r>
+            <a:br>
+              <a:rPr lang="es-CO" dirty="0"/>
+            </a:br>
+            <a:endParaRPr lang="es-CO" dirty="0"/>
+          </a:p>
+        </p:txBody>
+      </p:sp>
+      <p:sp>
+        <p:nvSpPr>
+          <p:cNvPr id="3" name="Text Placeholder 2"/>
+          <p:cNvSpPr>
+            <a:spLocks noGrp="1"/>
+          </p:cNvSpPr>
+          <p:nvPr>
+            <p:ph type="body" idx="1"/>
+          </p:nvPr>
+        </p:nvSpPr>
+        <p:spPr/>
+        <p:txBody>
+          <a:bodyPr/>
+          <a:lstStyle/>
+          <a:p>
+            <a:r>
+              <a:rPr lang="en-US" dirty="0" smtClean="0"/>
+              <a:t>Using region as variable</a:t>
+            </a:r>
+            <a:endParaRPr lang="es-CO" dirty="0"/>
+          </a:p>
+        </p:txBody>
+      </p:sp>
+      <p:sp>
+        <p:nvSpPr>
+          <p:cNvPr id="5" name="Text Placeholder 4"/>
+          <p:cNvSpPr>
+            <a:spLocks noGrp="1"/>
+          </p:cNvSpPr>
+          <p:nvPr>
+            <p:ph type="body" sz="quarter" idx="3"/>
+          </p:nvPr>
+        </p:nvSpPr>
+        <p:spPr/>
+        <p:txBody>
+          <a:bodyPr/>
+          <a:lstStyle/>
+          <a:p>
+            <a:r>
+              <a:rPr lang="en-US" dirty="0" smtClean="0"/>
+              <a:t>Without region </a:t>
+            </a:r>
+            <a:r>
+              <a:rPr lang="en-US" dirty="0"/>
+              <a:t>as variable</a:t>
+            </a:r>
+            <a:endParaRPr lang="es-CO" dirty="0"/>
+          </a:p>
+        </p:txBody>
+      </p:sp>
+      <p:graphicFrame>
+        <p:nvGraphicFramePr>
+          <p:cNvPr id="8" name="Content Placeholder 7"/>
+          <p:cNvGraphicFramePr>
+            <a:graphicFrameLocks noGrp="1" noChangeAspect="1"/>
+          </p:cNvGraphicFramePr>
+          <p:nvPr>
+            <p:ph sz="half" idx="2"/>
+            <p:extLst>
+              <p:ext uri="{D42A27DB-BD31-4B8C-83A1-F6EECF244321}">
+                <p14:modId xmlns:p14="http://schemas.microsoft.com/office/powerpoint/2010/main" val="3793500923"/>
+              </p:ext>
+            </p:extLst>
+          </p:nvPr>
+        </p:nvGraphicFramePr>
+        <p:xfrm>
+          <a:off x="839788" y="3186113"/>
+          <a:ext cx="5157787" cy="2322512"/>
+        </p:xfrm>
+        <a:graphic>
+          <a:graphicData uri="http://schemas.openxmlformats.org/presentationml/2006/ole">
+            <mc:AlternateContent xmlns:mc="http://schemas.openxmlformats.org/markup-compatibility/2006">
+              <mc:Choice xmlns:v="urn:schemas-microsoft-com:vml" Requires="v">
+                <p:oleObj spid="_x0000_s3124" name="Acrobat Document" r:id="rId3" imgW="36558000" imgH="16459200" progId="AcroExch.Document.DC">
+                  <p:embed/>
+                </p:oleObj>
+              </mc:Choice>
+              <mc:Fallback>
+                <p:oleObj name="Acrobat Document" r:id="rId3" imgW="36558000" imgH="16459200" progId="AcroExch.Document.DC">
+                  <p:embed/>
+                  <p:pic>
+                    <p:nvPicPr>
+                      <p:cNvPr id="0" name=""/>
+                      <p:cNvPicPr/>
+                      <p:nvPr/>
+                    </p:nvPicPr>
+                    <p:blipFill>
+                      <a:blip r:embed="rId4"/>
+                      <a:stretch>
+                        <a:fillRect/>
+                      </a:stretch>
+                    </p:blipFill>
+                    <p:spPr>
+                      <a:xfrm>
+                        <a:off x="839788" y="3186113"/>
+                        <a:ext cx="5157787" cy="2322512"/>
+                      </a:xfrm>
+                      <a:prstGeom prst="rect">
+                        <a:avLst/>
+                      </a:prstGeom>
+                    </p:spPr>
+                  </p:pic>
+                </p:oleObj>
+              </mc:Fallback>
+            </mc:AlternateContent>
+          </a:graphicData>
+        </a:graphic>
+      </p:graphicFrame>
+      <p:graphicFrame>
+        <p:nvGraphicFramePr>
+          <p:cNvPr id="9" name="Content Placeholder 8"/>
+          <p:cNvGraphicFramePr>
+            <a:graphicFrameLocks noGrp="1" noChangeAspect="1"/>
+          </p:cNvGraphicFramePr>
+          <p:nvPr>
+            <p:ph sz="quarter" idx="4"/>
+            <p:extLst>
+              <p:ext uri="{D42A27DB-BD31-4B8C-83A1-F6EECF244321}">
+                <p14:modId xmlns:p14="http://schemas.microsoft.com/office/powerpoint/2010/main" val="2894247953"/>
+              </p:ext>
+            </p:extLst>
+          </p:nvPr>
+        </p:nvGraphicFramePr>
+        <p:xfrm>
+          <a:off x="6172200" y="3179763"/>
+          <a:ext cx="5183188" cy="2333625"/>
+        </p:xfrm>
+        <a:graphic>
+          <a:graphicData uri="http://schemas.openxmlformats.org/presentationml/2006/ole">
+            <mc:AlternateContent xmlns:mc="http://schemas.openxmlformats.org/markup-compatibility/2006">
+              <mc:Choice xmlns:v="urn:schemas-microsoft-com:vml" Requires="v">
+                <p:oleObj spid="_x0000_s3125" name="Acrobat Document" r:id="rId5" imgW="36558000" imgH="16459200" progId="AcroExch.Document.DC">
+                  <p:embed/>
+                </p:oleObj>
+              </mc:Choice>
+              <mc:Fallback>
+                <p:oleObj name="Acrobat Document" r:id="rId5" imgW="36558000" imgH="16459200" progId="AcroExch.Document.DC">
+                  <p:embed/>
+                  <p:pic>
+                    <p:nvPicPr>
+                      <p:cNvPr id="0" name=""/>
+                      <p:cNvPicPr/>
+                      <p:nvPr/>
+                    </p:nvPicPr>
+                    <p:blipFill>
+                      <a:blip r:embed="rId6"/>
+                      <a:stretch>
+                        <a:fillRect/>
+                      </a:stretch>
+                    </p:blipFill>
+                    <p:spPr>
+                      <a:xfrm>
+                        <a:off x="6172200" y="3179763"/>
+                        <a:ext cx="5183188" cy="2333625"/>
+                      </a:xfrm>
+                      <a:prstGeom prst="rect">
+                        <a:avLst/>
+                      </a:prstGeom>
+                    </p:spPr>
+                  </p:pic>
+                </p:oleObj>
+              </mc:Fallback>
+            </mc:AlternateContent>
+          </a:graphicData>
+        </a:graphic>
+      </p:graphicFrame>
+    </p:spTree>
+    <p:extLst>
+      <p:ext uri="{BB962C8B-B14F-4D97-AF65-F5344CB8AC3E}">
+        <p14:creationId xmlns:p14="http://schemas.microsoft.com/office/powerpoint/2010/main" val="1485166098"/>
+      </p:ext>
+    </p:extLst>
+  </p:cSld>
+  <p:clrMapOvr>
+    <a:masterClrMapping/>
+  </p:clrMapOvr>
+</p:sld>
+</file>
+
+<file path=ppt/slides/slide16.xml><?xml version="1.0" encoding="utf-8"?>
+<p:sld xmlns:a="http://schemas.openxmlformats.org/drawingml/2006/main" xmlns:r="http://schemas.openxmlformats.org/officeDocument/2006/relationships" xmlns:p="http://schemas.openxmlformats.org/presentationml/2006/main">
+  <p:cSld>
+    <p:spTree>
+      <p:nvGrpSpPr>
+        <p:cNvPr id="1" name=""/>
+        <p:cNvGrpSpPr/>
+        <p:nvPr/>
+      </p:nvGrpSpPr>
+      <p:grpSpPr>
+        <a:xfrm>
+          <a:off x="0" y="0"/>
+          <a:ext cx="0" cy="0"/>
+          <a:chOff x="0" y="0"/>
+          <a:chExt cx="0" cy="0"/>
+        </a:xfrm>
+      </p:grpSpPr>
+      <p:sp>
+        <p:nvSpPr>
+          <p:cNvPr id="2" name="Title 1"/>
+          <p:cNvSpPr>
+            <a:spLocks noGrp="1"/>
+          </p:cNvSpPr>
+          <p:nvPr>
+            <p:ph type="title"/>
+          </p:nvPr>
+        </p:nvSpPr>
+        <p:spPr/>
+        <p:txBody>
+          <a:bodyPr/>
+          <a:lstStyle/>
+          <a:p>
+            <a:endParaRPr lang="es-CO"/>
+          </a:p>
+        </p:txBody>
+      </p:sp>
+      <p:sp>
+        <p:nvSpPr>
+          <p:cNvPr id="3" name="Text Placeholder 2"/>
+          <p:cNvSpPr>
+            <a:spLocks noGrp="1"/>
+          </p:cNvSpPr>
+          <p:nvPr>
+            <p:ph type="body" idx="1"/>
+          </p:nvPr>
+        </p:nvSpPr>
+        <p:spPr/>
+        <p:txBody>
+          <a:bodyPr/>
+          <a:lstStyle/>
+          <a:p>
+            <a:r>
+              <a:rPr lang="en-US" dirty="0"/>
+              <a:t>Number of ecosystem where species were </a:t>
+            </a:r>
+            <a:r>
+              <a:rPr lang="en-US" dirty="0" smtClean="0"/>
+              <a:t>collected per region(NO CLUSTER)</a:t>
+            </a:r>
+            <a:endParaRPr lang="es-CO" dirty="0"/>
+          </a:p>
+        </p:txBody>
+      </p:sp>
+      <p:graphicFrame>
+        <p:nvGraphicFramePr>
+          <p:cNvPr id="7" name="Content Placeholder 6"/>
+          <p:cNvGraphicFramePr>
+            <a:graphicFrameLocks noGrp="1" noChangeAspect="1"/>
+          </p:cNvGraphicFramePr>
+          <p:nvPr>
+            <p:ph sz="half" idx="2"/>
+            <p:extLst>
+              <p:ext uri="{D42A27DB-BD31-4B8C-83A1-F6EECF244321}">
+                <p14:modId xmlns:p14="http://schemas.microsoft.com/office/powerpoint/2010/main" val="4125423680"/>
+              </p:ext>
+            </p:extLst>
+          </p:nvPr>
+        </p:nvGraphicFramePr>
+        <p:xfrm>
+          <a:off x="839788" y="3186113"/>
+          <a:ext cx="5157787" cy="2322512"/>
+        </p:xfrm>
+        <a:graphic>
+          <a:graphicData uri="http://schemas.openxmlformats.org/presentationml/2006/ole">
+            <mc:AlternateContent xmlns:mc="http://schemas.openxmlformats.org/markup-compatibility/2006">
+              <mc:Choice xmlns:v="urn:schemas-microsoft-com:vml" Requires="v">
+                <p:oleObj spid="_x0000_s4138" name="Acrobat Document" r:id="rId3" imgW="36558000" imgH="16459200" progId="AcroExch.Document.DC">
+                  <p:embed/>
+                </p:oleObj>
+              </mc:Choice>
+              <mc:Fallback>
+                <p:oleObj name="Acrobat Document" r:id="rId3" imgW="36558000" imgH="16459200" progId="AcroExch.Document.DC">
+                  <p:embed/>
+                  <p:pic>
+                    <p:nvPicPr>
+                      <p:cNvPr id="0" name=""/>
+                      <p:cNvPicPr/>
+                      <p:nvPr/>
+                    </p:nvPicPr>
+                    <p:blipFill>
+                      <a:blip r:embed="rId4"/>
+                      <a:stretch>
+                        <a:fillRect/>
+                      </a:stretch>
+                    </p:blipFill>
+                    <p:spPr>
+                      <a:xfrm>
+                        <a:off x="839788" y="3186113"/>
+                        <a:ext cx="5157787" cy="2322512"/>
+                      </a:xfrm>
+                      <a:prstGeom prst="rect">
+                        <a:avLst/>
+                      </a:prstGeom>
+                    </p:spPr>
+                  </p:pic>
+                </p:oleObj>
+              </mc:Fallback>
+            </mc:AlternateContent>
+          </a:graphicData>
+        </a:graphic>
+      </p:graphicFrame>
+      <p:sp>
+        <p:nvSpPr>
+          <p:cNvPr id="8" name="Text Placeholder 4"/>
+          <p:cNvSpPr txBox="1">
+            <a:spLocks/>
+          </p:cNvSpPr>
+          <p:nvPr/>
+        </p:nvSpPr>
+        <p:spPr>
+          <a:xfrm>
+            <a:off x="6172200" y="1681163"/>
+            <a:ext cx="5183188" cy="823912"/>
+          </a:xfrm>
+          <a:prstGeom prst="rect">
+            <a:avLst/>
+          </a:prstGeom>
+        </p:spPr>
+        <p:txBody>
+          <a:bodyPr vert="horz" lIns="91440" tIns="45720" rIns="91440" bIns="45720" rtlCol="0" anchor="b">
+            <a:normAutofit/>
+          </a:bodyPr>
+          <a:lstStyle>
+            <a:lvl1pPr marL="0" indent="0" algn="l" defTabSz="914400" rtl="0" eaLnBrk="1" latinLnBrk="0" hangingPunct="1">
+              <a:lnSpc>
+                <a:spcPct val="90000"/>
+              </a:lnSpc>
+              <a:spcBef>
+                <a:spcPts val="1000"/>
+              </a:spcBef>
+              <a:buFont typeface="Arial" panose="020B0604020202020204" pitchFamily="34" charset="0"/>
+              <a:buNone/>
+              <a:defRPr sz="2400" b="1" kern="1200">
+                <a:solidFill>
+                  <a:schemeClr val="tx1"/>
+                </a:solidFill>
+                <a:latin typeface="+mn-lt"/>
+                <a:ea typeface="+mn-ea"/>
+                <a:cs typeface="+mn-cs"/>
+              </a:defRPr>
+            </a:lvl1pPr>
+            <a:lvl2pPr marL="457200" indent="0" algn="l" defTabSz="914400" rtl="0" eaLnBrk="1" latinLnBrk="0" hangingPunct="1">
+              <a:lnSpc>
+                <a:spcPct val="90000"/>
+              </a:lnSpc>
+              <a:spcBef>
+                <a:spcPts val="500"/>
+              </a:spcBef>
+              <a:buFont typeface="Arial" panose="020B0604020202020204" pitchFamily="34" charset="0"/>
+              <a:buNone/>
+              <a:defRPr sz="2000" b="1" kern="1200">
+                <a:solidFill>
+                  <a:schemeClr val="tx1"/>
+                </a:solidFill>
+                <a:latin typeface="+mn-lt"/>
+                <a:ea typeface="+mn-ea"/>
+                <a:cs typeface="+mn-cs"/>
+              </a:defRPr>
+            </a:lvl2pPr>
+            <a:lvl3pPr marL="914400" indent="0" algn="l" defTabSz="914400" rtl="0" eaLnBrk="1" latinLnBrk="0" hangingPunct="1">
+              <a:lnSpc>
+                <a:spcPct val="90000"/>
+              </a:lnSpc>
+              <a:spcBef>
+                <a:spcPts val="500"/>
+              </a:spcBef>
+              <a:buFont typeface="Arial" panose="020B0604020202020204" pitchFamily="34" charset="0"/>
+              <a:buNone/>
+              <a:defRPr sz="1800" b="1" kern="1200">
+                <a:solidFill>
+                  <a:schemeClr val="tx1"/>
+                </a:solidFill>
+                <a:latin typeface="+mn-lt"/>
+                <a:ea typeface="+mn-ea"/>
+                <a:cs typeface="+mn-cs"/>
+              </a:defRPr>
+            </a:lvl3pPr>
+            <a:lvl4pPr marL="1371600" indent="0" algn="l" defTabSz="914400" rtl="0" eaLnBrk="1" latinLnBrk="0" hangingPunct="1">
+              <a:lnSpc>
+                <a:spcPct val="90000"/>
+              </a:lnSpc>
+              <a:spcBef>
+                <a:spcPts val="500"/>
+              </a:spcBef>
+              <a:buFont typeface="Arial" panose="020B0604020202020204" pitchFamily="34" charset="0"/>
+              <a:buNone/>
+              <a:defRPr sz="1600" b="1" kern="1200">
+                <a:solidFill>
+                  <a:schemeClr val="tx1"/>
+                </a:solidFill>
+                <a:latin typeface="+mn-lt"/>
+                <a:ea typeface="+mn-ea"/>
+                <a:cs typeface="+mn-cs"/>
+              </a:defRPr>
+            </a:lvl4pPr>
+            <a:lvl5pPr marL="1828800" indent="0" algn="l" defTabSz="914400" rtl="0" eaLnBrk="1" latinLnBrk="0" hangingPunct="1">
+              <a:lnSpc>
+                <a:spcPct val="90000"/>
+              </a:lnSpc>
+              <a:spcBef>
+                <a:spcPts val="500"/>
+              </a:spcBef>
+              <a:buFont typeface="Arial" panose="020B0604020202020204" pitchFamily="34" charset="0"/>
+              <a:buNone/>
+              <a:defRPr sz="1600" b="1" kern="1200">
+                <a:solidFill>
+                  <a:schemeClr val="tx1"/>
+                </a:solidFill>
+                <a:latin typeface="+mn-lt"/>
+                <a:ea typeface="+mn-ea"/>
+                <a:cs typeface="+mn-cs"/>
+              </a:defRPr>
+            </a:lvl5pPr>
+            <a:lvl6pPr marL="2286000" indent="0" algn="l" defTabSz="914400" rtl="0" eaLnBrk="1" latinLnBrk="0" hangingPunct="1">
+              <a:lnSpc>
+                <a:spcPct val="90000"/>
+              </a:lnSpc>
+              <a:spcBef>
+                <a:spcPts val="500"/>
+              </a:spcBef>
+              <a:buFont typeface="Arial" panose="020B0604020202020204" pitchFamily="34" charset="0"/>
+              <a:buNone/>
+              <a:defRPr sz="1600" b="1" kern="1200">
+                <a:solidFill>
+                  <a:schemeClr val="tx1"/>
+                </a:solidFill>
+                <a:latin typeface="+mn-lt"/>
+                <a:ea typeface="+mn-ea"/>
+                <a:cs typeface="+mn-cs"/>
+              </a:defRPr>
+            </a:lvl6pPr>
+            <a:lvl7pPr marL="2743200" indent="0" algn="l" defTabSz="914400" rtl="0" eaLnBrk="1" latinLnBrk="0" hangingPunct="1">
+              <a:lnSpc>
+                <a:spcPct val="90000"/>
+              </a:lnSpc>
+              <a:spcBef>
+                <a:spcPts val="500"/>
+              </a:spcBef>
+              <a:buFont typeface="Arial" panose="020B0604020202020204" pitchFamily="34" charset="0"/>
+              <a:buNone/>
+              <a:defRPr sz="1600" b="1" kern="1200">
+                <a:solidFill>
+                  <a:schemeClr val="tx1"/>
+                </a:solidFill>
+                <a:latin typeface="+mn-lt"/>
+                <a:ea typeface="+mn-ea"/>
+                <a:cs typeface="+mn-cs"/>
+              </a:defRPr>
+            </a:lvl7pPr>
+            <a:lvl8pPr marL="3200400" indent="0" algn="l" defTabSz="914400" rtl="0" eaLnBrk="1" latinLnBrk="0" hangingPunct="1">
+              <a:lnSpc>
+                <a:spcPct val="90000"/>
+              </a:lnSpc>
+              <a:spcBef>
+                <a:spcPts val="500"/>
+              </a:spcBef>
+              <a:buFont typeface="Arial" panose="020B0604020202020204" pitchFamily="34" charset="0"/>
+              <a:buNone/>
+              <a:defRPr sz="1600" b="1" kern="1200">
+                <a:solidFill>
+                  <a:schemeClr val="tx1"/>
+                </a:solidFill>
+                <a:latin typeface="+mn-lt"/>
+                <a:ea typeface="+mn-ea"/>
+                <a:cs typeface="+mn-cs"/>
+              </a:defRPr>
+            </a:lvl8pPr>
+            <a:lvl9pPr marL="3657600" indent="0" algn="l" defTabSz="914400" rtl="0" eaLnBrk="1" latinLnBrk="0" hangingPunct="1">
+              <a:lnSpc>
+                <a:spcPct val="90000"/>
+              </a:lnSpc>
+              <a:spcBef>
+                <a:spcPts val="500"/>
+              </a:spcBef>
+              <a:buFont typeface="Arial" panose="020B0604020202020204" pitchFamily="34" charset="0"/>
+              <a:buNone/>
+              <a:defRPr sz="1600" b="1" kern="1200">
+                <a:solidFill>
+                  <a:schemeClr val="tx1"/>
+                </a:solidFill>
+                <a:latin typeface="+mn-lt"/>
+                <a:ea typeface="+mn-ea"/>
+                <a:cs typeface="+mn-cs"/>
+              </a:defRPr>
+            </a:lvl9pPr>
+          </a:lstStyle>
+          <a:p>
+            <a:r>
+              <a:rPr lang="en-US" smtClean="0"/>
+              <a:t>Without region as variable</a:t>
+            </a:r>
+            <a:endParaRPr lang="es-CO" dirty="0"/>
+          </a:p>
+        </p:txBody>
+      </p:sp>
+      <p:graphicFrame>
+        <p:nvGraphicFramePr>
+          <p:cNvPr id="9" name="Content Placeholder 8"/>
+          <p:cNvGraphicFramePr>
+            <a:graphicFrameLocks noChangeAspect="1"/>
+          </p:cNvGraphicFramePr>
+          <p:nvPr>
+            <p:extLst>
+              <p:ext uri="{D42A27DB-BD31-4B8C-83A1-F6EECF244321}">
+                <p14:modId xmlns:p14="http://schemas.microsoft.com/office/powerpoint/2010/main" val="807736232"/>
+              </p:ext>
+            </p:extLst>
+          </p:nvPr>
+        </p:nvGraphicFramePr>
+        <p:xfrm>
+          <a:off x="6172200" y="3179763"/>
+          <a:ext cx="5183188" cy="2333625"/>
+        </p:xfrm>
+        <a:graphic>
+          <a:graphicData uri="http://schemas.openxmlformats.org/presentationml/2006/ole">
+            <mc:AlternateContent xmlns:mc="http://schemas.openxmlformats.org/markup-compatibility/2006">
+              <mc:Choice xmlns:v="urn:schemas-microsoft-com:vml" Requires="v">
+                <p:oleObj spid="_x0000_s4139" name="Acrobat Document" r:id="rId5" imgW="36558000" imgH="16459200" progId="AcroExch.Document.DC">
+                  <p:embed/>
+                </p:oleObj>
+              </mc:Choice>
+              <mc:Fallback>
+                <p:oleObj name="Acrobat Document" r:id="rId5" imgW="36558000" imgH="16459200" progId="AcroExch.Document.DC">
+                  <p:embed/>
+                  <p:pic>
+                    <p:nvPicPr>
+                      <p:cNvPr id="0" name=""/>
+                      <p:cNvPicPr/>
+                      <p:nvPr/>
+                    </p:nvPicPr>
+                    <p:blipFill>
+                      <a:blip r:embed="rId6"/>
+                      <a:stretch>
+                        <a:fillRect/>
+                      </a:stretch>
+                    </p:blipFill>
+                    <p:spPr>
+                      <a:xfrm>
+                        <a:off x="6172200" y="3179763"/>
+                        <a:ext cx="5183188" cy="2333625"/>
+                      </a:xfrm>
+                      <a:prstGeom prst="rect">
+                        <a:avLst/>
+                      </a:prstGeom>
+                    </p:spPr>
+                  </p:pic>
+                </p:oleObj>
+              </mc:Fallback>
+            </mc:AlternateContent>
+          </a:graphicData>
+        </a:graphic>
+      </p:graphicFrame>
+    </p:spTree>
+    <p:extLst>
+      <p:ext uri="{BB962C8B-B14F-4D97-AF65-F5344CB8AC3E}">
+        <p14:creationId xmlns:p14="http://schemas.microsoft.com/office/powerpoint/2010/main" val="2232942538"/>
+      </p:ext>
+    </p:extLst>
+  </p:cSld>
+  <p:clrMapOvr>
+    <a:masterClrMapping/>
+  </p:clrMapOvr>
+</p:sld>
+</file>
+
 <file path=ppt/slides/slide2.xml><?xml version="1.0" encoding="utf-8"?>
 <p:sld xmlns:a="http://schemas.openxmlformats.org/drawingml/2006/main" xmlns:r="http://schemas.openxmlformats.org/officeDocument/2006/relationships" xmlns:p="http://schemas.openxmlformats.org/presentationml/2006/main">
   <p:cSld>
@@ -11383,7 +13455,7 @@
             <p:ph idx="1"/>
             <p:extLst>
               <p:ext uri="{D42A27DB-BD31-4B8C-83A1-F6EECF244321}">
-                <p14:modId xmlns:p14="http://schemas.microsoft.com/office/powerpoint/2010/main" val="3417744786"/>
+                <p14:modId xmlns:p14="http://schemas.microsoft.com/office/powerpoint/2010/main" val="1603714915"/>
               </p:ext>
             </p:extLst>
           </p:nvPr>
@@ -11503,11 +13575,7 @@
           <a:p>
             <a:r>
               <a:rPr lang="es-CO" dirty="0" err="1" smtClean="0"/>
-              <a:t>transform</a:t>
-            </a:r>
-            <a:r>
-              <a:rPr lang="es-CO" dirty="0" err="1" smtClean="0"/>
-              <a:t>.R</a:t>
+              <a:t>transform.R</a:t>
             </a:r>
             <a:endParaRPr lang="es-CO" dirty="0" smtClean="0"/>
           </a:p>
@@ -14714,7 +16782,7 @@
       </p:grpSpPr>
       <p:sp>
         <p:nvSpPr>
-          <p:cNvPr id="7" name="Title 6"/>
+          <p:cNvPr id="2" name="Title 1"/>
           <p:cNvSpPr>
             <a:spLocks noGrp="1"/>
           </p:cNvSpPr>
@@ -14727,136 +16795,177 @@
           <a:bodyPr/>
           <a:lstStyle/>
           <a:p>
-            <a:endParaRPr lang="es-CO"/>
+            <a:r>
+              <a:rPr lang="en-US" dirty="0" smtClean="0"/>
+              <a:t>Results structure (Boxplots)</a:t>
+            </a:r>
+            <a:endParaRPr lang="es-CO" dirty="0"/>
           </a:p>
         </p:txBody>
       </p:sp>
       <p:sp>
         <p:nvSpPr>
-          <p:cNvPr id="8" name="Text Placeholder 7"/>
+          <p:cNvPr id="3" name="Content Placeholder 2"/>
           <p:cNvSpPr>
             <a:spLocks noGrp="1"/>
           </p:cNvSpPr>
           <p:nvPr>
-            <p:ph type="body" idx="1"/>
+            <p:ph sz="half" idx="1"/>
           </p:nvPr>
         </p:nvSpPr>
-        <p:spPr/>
+        <p:spPr>
+          <a:xfrm>
+            <a:off x="838199" y="1825625"/>
+            <a:ext cx="10587681" cy="4351338"/>
+          </a:xfrm>
+        </p:spPr>
         <p:txBody>
-          <a:bodyPr/>
+          <a:bodyPr>
+            <a:normAutofit lnSpcReduction="10000"/>
+          </a:bodyPr>
           <a:lstStyle/>
           <a:p>
             <a:r>
               <a:rPr lang="en-US" dirty="0" smtClean="0"/>
-              <a:t>No enough strong correlations to use multivariate approaches</a:t>
-            </a:r>
-            <a:endParaRPr lang="es-CO" dirty="0" smtClean="0"/>
+              <a:t>Boxplot </a:t>
+            </a:r>
+            <a:r>
+              <a:rPr lang="en-US" dirty="0"/>
+              <a:t>per </a:t>
+            </a:r>
+            <a:r>
+              <a:rPr lang="en-US" dirty="0" smtClean="0"/>
+              <a:t>region folder: </a:t>
+            </a:r>
+            <a:r>
+              <a:rPr lang="en-US" dirty="0" err="1" smtClean="0"/>
+              <a:t>Huanuco</a:t>
+            </a:r>
+            <a:r>
+              <a:rPr lang="en-US" dirty="0" smtClean="0"/>
+              <a:t>\plot\region</a:t>
+            </a:r>
+          </a:p>
+          <a:p>
+            <a:r>
+              <a:rPr lang="en-US" dirty="0" smtClean="0"/>
+              <a:t>Boxplot filename:[</a:t>
+            </a:r>
+            <a:r>
+              <a:rPr lang="en-US" dirty="0" err="1" smtClean="0"/>
+              <a:t>var_name</a:t>
+            </a:r>
+            <a:r>
+              <a:rPr lang="en-US" dirty="0" smtClean="0"/>
+              <a:t>] _REGION_</a:t>
+            </a:r>
+            <a:r>
+              <a:rPr lang="en-US" dirty="0"/>
+              <a:t> </a:t>
+            </a:r>
+            <a:r>
+              <a:rPr lang="en-US" dirty="0" smtClean="0"/>
+              <a:t>[date] </a:t>
+            </a:r>
+          </a:p>
+          <a:p>
+            <a:endParaRPr lang="en-US" dirty="0"/>
+          </a:p>
+          <a:p>
+            <a:r>
+              <a:rPr lang="en-US" dirty="0"/>
+              <a:t>Boxplot per cluster </a:t>
+            </a:r>
+            <a:r>
+              <a:rPr lang="en-US" dirty="0" smtClean="0"/>
+              <a:t>folder (using region) : </a:t>
+            </a:r>
+            <a:r>
+              <a:rPr lang="en-US" dirty="0" err="1" smtClean="0"/>
+              <a:t>Huanuco</a:t>
+            </a:r>
+            <a:r>
+              <a:rPr lang="en-US" dirty="0" smtClean="0"/>
+              <a:t>\plot\full</a:t>
+            </a:r>
+            <a:endParaRPr lang="en-US" dirty="0"/>
+          </a:p>
+          <a:p>
+            <a:r>
+              <a:rPr lang="en-US" dirty="0"/>
+              <a:t>Boxplot filename:[</a:t>
+            </a:r>
+            <a:r>
+              <a:rPr lang="en-US" dirty="0" err="1"/>
+              <a:t>var_name</a:t>
+            </a:r>
+            <a:r>
+              <a:rPr lang="en-US" dirty="0"/>
+              <a:t>] </a:t>
+            </a:r>
+            <a:r>
+              <a:rPr lang="en-US" dirty="0" smtClean="0"/>
+              <a:t>_ [</a:t>
+            </a:r>
+            <a:r>
+              <a:rPr lang="en-US" dirty="0"/>
+              <a:t>date] </a:t>
+            </a:r>
+            <a:endParaRPr lang="en-US" dirty="0" smtClean="0"/>
+          </a:p>
+          <a:p>
+            <a:endParaRPr lang="en-US" dirty="0"/>
+          </a:p>
+          <a:p>
+            <a:r>
+              <a:rPr lang="en-US" dirty="0"/>
+              <a:t>Boxplot per cluster folder </a:t>
+            </a:r>
+            <a:r>
+              <a:rPr lang="en-US" dirty="0" smtClean="0"/>
+              <a:t>(without region as variable) </a:t>
+            </a:r>
+            <a:r>
+              <a:rPr lang="en-US" dirty="0"/>
+              <a:t>: </a:t>
+            </a:r>
+            <a:r>
+              <a:rPr lang="en-US" dirty="0" err="1" smtClean="0"/>
+              <a:t>Huanuco</a:t>
+            </a:r>
+            <a:r>
+              <a:rPr lang="en-US" dirty="0" smtClean="0"/>
+              <a:t>\plot\region</a:t>
+            </a:r>
+            <a:endParaRPr lang="en-US" dirty="0"/>
+          </a:p>
+          <a:p>
+            <a:r>
+              <a:rPr lang="en-US" dirty="0"/>
+              <a:t>Boxplot filename:[</a:t>
+            </a:r>
+            <a:r>
+              <a:rPr lang="en-US" dirty="0" err="1"/>
+              <a:t>var_name</a:t>
+            </a:r>
+            <a:r>
+              <a:rPr lang="en-US" dirty="0"/>
+              <a:t>] _ [date] </a:t>
+            </a:r>
+            <a:endParaRPr lang="es-CO" dirty="0"/>
+          </a:p>
+          <a:p>
+            <a:endParaRPr lang="es-CO" dirty="0"/>
+          </a:p>
+          <a:p>
+            <a:endParaRPr lang="es-CO" dirty="0"/>
           </a:p>
         </p:txBody>
       </p:sp>
-      <p:pic>
-        <p:nvPicPr>
-          <p:cNvPr id="11" name="Content Placeholder 10"/>
-          <p:cNvPicPr>
-            <a:picLocks noGrp="1" noChangeAspect="1"/>
-          </p:cNvPicPr>
-          <p:nvPr>
-            <p:ph sz="half" idx="2"/>
-          </p:nvPr>
-        </p:nvPicPr>
-        <p:blipFill>
-          <a:blip r:embed="rId2" cstate="print">
-            <a:extLst>
-              <a:ext uri="{28A0092B-C50C-407E-A947-70E740481C1C}">
-                <a14:useLocalDpi xmlns:a14="http://schemas.microsoft.com/office/drawing/2010/main" val="0"/>
-              </a:ext>
-            </a:extLst>
-          </a:blip>
-          <a:stretch>
-            <a:fillRect/>
-          </a:stretch>
-        </p:blipFill>
-        <p:spPr>
-          <a:xfrm>
-            <a:off x="1217158" y="2505075"/>
-            <a:ext cx="3684588" cy="3684588"/>
-          </a:xfrm>
-        </p:spPr>
-      </p:pic>
-      <p:sp>
-        <p:nvSpPr>
-          <p:cNvPr id="9" name="Text Placeholder 8"/>
-          <p:cNvSpPr>
-            <a:spLocks noGrp="1"/>
-          </p:cNvSpPr>
-          <p:nvPr>
-            <p:ph type="body" sz="quarter" idx="3"/>
-          </p:nvPr>
-        </p:nvSpPr>
-        <p:spPr/>
-        <p:txBody>
-          <a:bodyPr>
-            <a:normAutofit fontScale="92500" lnSpcReduction="20000"/>
-          </a:bodyPr>
-          <a:lstStyle/>
-          <a:p>
-            <a:r>
-              <a:rPr lang="en-US" dirty="0" smtClean="0"/>
-              <a:t>Region, </a:t>
-            </a:r>
-            <a:r>
-              <a:rPr lang="en-US" dirty="0" err="1" smtClean="0"/>
-              <a:t>headsex</a:t>
-            </a:r>
-            <a:r>
-              <a:rPr lang="en-US" dirty="0" smtClean="0"/>
-              <a:t> ,</a:t>
-            </a:r>
-            <a:r>
-              <a:rPr lang="en-US" dirty="0" err="1" smtClean="0"/>
-              <a:t>elcsa</a:t>
-            </a:r>
-            <a:r>
-              <a:rPr lang="en-US" dirty="0" smtClean="0"/>
-              <a:t> categories, education level have interesting relationship  each others ( black)</a:t>
-            </a:r>
-            <a:endParaRPr lang="es-CO" dirty="0"/>
-          </a:p>
-        </p:txBody>
-      </p:sp>
-      <p:pic>
-        <p:nvPicPr>
-          <p:cNvPr id="12" name="Content Placeholder 11"/>
-          <p:cNvPicPr>
-            <a:picLocks noGrp="1" noChangeAspect="1"/>
-          </p:cNvPicPr>
-          <p:nvPr>
-            <p:ph sz="quarter" idx="4"/>
-          </p:nvPr>
-        </p:nvPicPr>
-        <p:blipFill>
-          <a:blip r:embed="rId3">
-            <a:extLst>
-              <a:ext uri="{28A0092B-C50C-407E-A947-70E740481C1C}">
-                <a14:useLocalDpi xmlns:a14="http://schemas.microsoft.com/office/drawing/2010/main" val="0"/>
-              </a:ext>
-            </a:extLst>
-          </a:blip>
-          <a:stretch>
-            <a:fillRect/>
-          </a:stretch>
-        </p:blipFill>
-        <p:spPr>
-          <a:xfrm>
-            <a:off x="6172200" y="2619640"/>
-            <a:ext cx="5183188" cy="3455458"/>
-          </a:xfrm>
-        </p:spPr>
-      </p:pic>
     </p:spTree>
     <p:extLst>
       <p:ext uri="{BB962C8B-B14F-4D97-AF65-F5344CB8AC3E}">
-        <p14:creationId xmlns:p14="http://schemas.microsoft.com/office/powerpoint/2010/main" val="3680154022"/>
+        <p14:creationId xmlns:p14="http://schemas.microsoft.com/office/powerpoint/2010/main" val="2949340854"/>
       </p:ext>
     </p:extLst>
   </p:cSld>
@@ -14899,378 +17008,156 @@
           <a:lstStyle/>
           <a:p>
             <a:r>
+              <a:rPr lang="en-US" dirty="0" smtClean="0"/>
+              <a:t>Results structure (Cluster graphics)</a:t>
+            </a:r>
+            <a:endParaRPr lang="es-CO" dirty="0"/>
+          </a:p>
+        </p:txBody>
+      </p:sp>
+      <p:sp>
+        <p:nvSpPr>
+          <p:cNvPr id="3" name="Content Placeholder 2"/>
+          <p:cNvSpPr>
+            <a:spLocks noGrp="1"/>
+          </p:cNvSpPr>
+          <p:nvPr>
+            <p:ph sz="half" idx="1"/>
+          </p:nvPr>
+        </p:nvSpPr>
+        <p:spPr>
+          <a:xfrm>
+            <a:off x="838199" y="1825625"/>
+            <a:ext cx="10587681" cy="4351338"/>
+          </a:xfrm>
+        </p:spPr>
+        <p:txBody>
+          <a:bodyPr>
+            <a:normAutofit/>
+          </a:bodyPr>
+          <a:lstStyle/>
+          <a:p>
+            <a:r>
+              <a:rPr lang="en-US" dirty="0" smtClean="0"/>
+              <a:t>folder: </a:t>
+            </a:r>
+            <a:r>
+              <a:rPr lang="en-US" dirty="0" err="1" smtClean="0"/>
+              <a:t>Huanuco</a:t>
+            </a:r>
+            <a:r>
+              <a:rPr lang="en-US" dirty="0" smtClean="0"/>
+              <a:t>\plot\cluster</a:t>
+            </a:r>
+          </a:p>
+          <a:p>
+            <a:endParaRPr lang="en-US" dirty="0" smtClean="0"/>
+          </a:p>
+          <a:p>
+            <a:r>
+              <a:rPr lang="en-US" dirty="0" smtClean="0"/>
+              <a:t>Elbow graphics</a:t>
+            </a:r>
+            <a:r>
+              <a:rPr lang="en-US" dirty="0"/>
+              <a:t>: </a:t>
+            </a:r>
+            <a:r>
+              <a:rPr lang="en-US" dirty="0" err="1" smtClean="0"/>
+              <a:t>WSS_plot</a:t>
+            </a:r>
+            <a:r>
+              <a:rPr lang="en-US" dirty="0" smtClean="0"/>
+              <a:t>_[]_[date]</a:t>
+            </a:r>
+          </a:p>
+          <a:p>
+            <a:r>
+              <a:rPr lang="en-US" dirty="0"/>
+              <a:t>Height </a:t>
+            </a:r>
+            <a:r>
+              <a:rPr lang="en-US" dirty="0" err="1" smtClean="0"/>
+              <a:t>barplots</a:t>
+            </a:r>
+            <a:r>
+              <a:rPr lang="en-US" dirty="0" smtClean="0"/>
+              <a:t>: </a:t>
+            </a:r>
+            <a:r>
+              <a:rPr lang="en-US" dirty="0" err="1" smtClean="0"/>
+              <a:t>barplotGraph</a:t>
+            </a:r>
+            <a:r>
+              <a:rPr lang="en-US" dirty="0"/>
+              <a:t>_[]_[date</a:t>
+            </a:r>
+            <a:r>
+              <a:rPr lang="en-US" dirty="0" smtClean="0"/>
+              <a:t>]</a:t>
+            </a:r>
+          </a:p>
+          <a:p>
+            <a:r>
+              <a:rPr lang="en-US" dirty="0" smtClean="0"/>
+              <a:t>Silhouette graphics</a:t>
+            </a:r>
+            <a:r>
+              <a:rPr lang="en-US" dirty="0"/>
+              <a:t>: </a:t>
+            </a:r>
+            <a:r>
+              <a:rPr lang="en-US" dirty="0" smtClean="0"/>
+              <a:t>silhouette_[]_[</a:t>
+            </a:r>
+            <a:r>
+              <a:rPr lang="en-US" dirty="0"/>
+              <a:t>date</a:t>
+            </a:r>
+            <a:r>
+              <a:rPr lang="en-US" dirty="0" smtClean="0"/>
+              <a:t>]</a:t>
+            </a:r>
+          </a:p>
+          <a:p>
+            <a:r>
               <a:rPr lang="en-US" dirty="0" err="1" smtClean="0"/>
               <a:t>Dendogram</a:t>
             </a:r>
+            <a:r>
+              <a:rPr lang="en-US" dirty="0"/>
+              <a:t>: </a:t>
+            </a:r>
+            <a:r>
+              <a:rPr lang="en-US" dirty="0" err="1"/>
+              <a:t>dendogram</a:t>
+            </a:r>
+            <a:r>
+              <a:rPr lang="en-US" dirty="0"/>
+              <a:t>_[]_[date]</a:t>
+            </a:r>
+          </a:p>
+          <a:p>
+            <a:endParaRPr lang="en-US" dirty="0"/>
+          </a:p>
+          <a:p>
+            <a:endParaRPr lang="en-US" dirty="0"/>
+          </a:p>
+          <a:p>
+            <a:endParaRPr lang="en-US" dirty="0" smtClean="0"/>
+          </a:p>
+          <a:p>
+            <a:endParaRPr lang="es-CO" dirty="0"/>
+          </a:p>
+          <a:p>
             <a:endParaRPr lang="es-CO" dirty="0"/>
           </a:p>
         </p:txBody>
       </p:sp>
-      <p:pic>
-        <p:nvPicPr>
-          <p:cNvPr id="4" name="Content Placeholder 3"/>
-          <p:cNvPicPr>
-            <a:picLocks noGrp="1" noChangeAspect="1"/>
-          </p:cNvPicPr>
-          <p:nvPr>
-            <p:ph idx="1"/>
-          </p:nvPr>
-        </p:nvPicPr>
-        <p:blipFill>
-          <a:blip r:embed="rId2" cstate="print">
-            <a:extLst>
-              <a:ext uri="{28A0092B-C50C-407E-A947-70E740481C1C}">
-                <a14:useLocalDpi xmlns:a14="http://schemas.microsoft.com/office/drawing/2010/main" val="0"/>
-              </a:ext>
-            </a:extLst>
-          </a:blip>
-          <a:stretch>
-            <a:fillRect/>
-          </a:stretch>
-        </p:blipFill>
-        <p:spPr>
-          <a:xfrm>
-            <a:off x="838200" y="2423954"/>
-            <a:ext cx="10515600" cy="3154680"/>
-          </a:xfrm>
-        </p:spPr>
-      </p:pic>
-      <p:pic>
-        <p:nvPicPr>
-          <p:cNvPr id="5" name="Picture 4"/>
-          <p:cNvPicPr>
-            <a:picLocks noChangeAspect="1"/>
-          </p:cNvPicPr>
-          <p:nvPr/>
-        </p:nvPicPr>
-        <p:blipFill>
-          <a:blip r:embed="rId3" cstate="print">
-            <a:extLst>
-              <a:ext uri="{28A0092B-C50C-407E-A947-70E740481C1C}">
-                <a14:useLocalDpi xmlns:a14="http://schemas.microsoft.com/office/drawing/2010/main" val="0"/>
-              </a:ext>
-            </a:extLst>
-          </a:blip>
-          <a:stretch>
-            <a:fillRect/>
-          </a:stretch>
-        </p:blipFill>
-        <p:spPr>
-          <a:xfrm>
-            <a:off x="0" y="1600200"/>
-            <a:ext cx="12192000" cy="3657600"/>
-          </a:xfrm>
-          <a:prstGeom prst="rect">
-            <a:avLst/>
-          </a:prstGeom>
-        </p:spPr>
-      </p:pic>
-      <p:graphicFrame>
-        <p:nvGraphicFramePr>
-          <p:cNvPr id="6" name="Table 5"/>
-          <p:cNvGraphicFramePr>
-            <a:graphicFrameLocks noGrp="1"/>
-          </p:cNvGraphicFramePr>
-          <p:nvPr>
-            <p:extLst>
-              <p:ext uri="{D42A27DB-BD31-4B8C-83A1-F6EECF244321}">
-                <p14:modId xmlns:p14="http://schemas.microsoft.com/office/powerpoint/2010/main" val="2115673252"/>
-              </p:ext>
-            </p:extLst>
-          </p:nvPr>
-        </p:nvGraphicFramePr>
-        <p:xfrm>
-          <a:off x="8801100" y="485934"/>
-          <a:ext cx="1981200" cy="762000"/>
-        </p:xfrm>
-        <a:graphic>
-          <a:graphicData uri="http://schemas.openxmlformats.org/drawingml/2006/table">
-            <a:tbl>
-              <a:tblPr/>
-              <a:tblGrid>
-                <a:gridCol w="609600"/>
-                <a:gridCol w="1371600"/>
-              </a:tblGrid>
-              <a:tr h="190500">
-                <a:tc>
-                  <a:txBody>
-                    <a:bodyPr/>
-                    <a:lstStyle/>
-                    <a:p>
-                      <a:pPr algn="l" fontAlgn="b"/>
-                      <a:r>
-                        <a:rPr lang="es-CO" sz="1100" b="0" i="0" u="none" strike="noStrike">
-                          <a:solidFill>
-                            <a:srgbClr val="000000"/>
-                          </a:solidFill>
-                          <a:effectLst/>
-                          <a:latin typeface="Calibri" panose="020F0502020204030204" pitchFamily="34" charset="0"/>
-                        </a:rPr>
-                        <a:t>Cluster</a:t>
-                      </a:r>
-                    </a:p>
-                  </a:txBody>
-                  <a:tcPr marL="9525" marR="9525" marT="9525" marB="0" anchor="b">
-                    <a:lnL>
-                      <a:noFill/>
-                    </a:lnL>
-                    <a:lnR>
-                      <a:noFill/>
-                    </a:lnR>
-                    <a:lnT>
-                      <a:noFill/>
-                    </a:lnT>
-                    <a:lnB>
-                      <a:noFill/>
-                    </a:lnB>
-                  </a:tcPr>
-                </a:tc>
-                <a:tc>
-                  <a:txBody>
-                    <a:bodyPr/>
-                    <a:lstStyle/>
-                    <a:p>
-                      <a:pPr algn="l" fontAlgn="b"/>
-                      <a:r>
-                        <a:rPr lang="es-CO" sz="1100" b="0" i="0" u="none" strike="noStrike">
-                          <a:solidFill>
-                            <a:srgbClr val="000000"/>
-                          </a:solidFill>
-                          <a:effectLst/>
-                          <a:latin typeface="Calibri" panose="020F0502020204030204" pitchFamily="34" charset="0"/>
-                        </a:rPr>
-                        <a:t>Number of individues</a:t>
-                      </a:r>
-                    </a:p>
-                  </a:txBody>
-                  <a:tcPr marL="9525" marR="9525" marT="9525" marB="0" anchor="b">
-                    <a:lnL>
-                      <a:noFill/>
-                    </a:lnL>
-                    <a:lnR>
-                      <a:noFill/>
-                    </a:lnR>
-                    <a:lnT>
-                      <a:noFill/>
-                    </a:lnT>
-                    <a:lnB>
-                      <a:noFill/>
-                    </a:lnB>
-                  </a:tcPr>
-                </a:tc>
-              </a:tr>
-              <a:tr h="190500">
-                <a:tc>
-                  <a:txBody>
-                    <a:bodyPr/>
-                    <a:lstStyle/>
-                    <a:p>
-                      <a:pPr algn="l" fontAlgn="b"/>
-                      <a:r>
-                        <a:rPr lang="es-CO" sz="1100" b="0" i="0" u="none" strike="noStrike">
-                          <a:solidFill>
-                            <a:srgbClr val="000000"/>
-                          </a:solidFill>
-                          <a:effectLst/>
-                          <a:latin typeface="Calibri" panose="020F0502020204030204" pitchFamily="34" charset="0"/>
-                        </a:rPr>
-                        <a:t>1</a:t>
-                      </a:r>
-                    </a:p>
-                  </a:txBody>
-                  <a:tcPr marL="9525" marR="9525" marT="9525" marB="0" anchor="b">
-                    <a:lnL>
-                      <a:noFill/>
-                    </a:lnL>
-                    <a:lnR>
-                      <a:noFill/>
-                    </a:lnR>
-                    <a:lnT>
-                      <a:noFill/>
-                    </a:lnT>
-                    <a:lnB>
-                      <a:noFill/>
-                    </a:lnB>
-                  </a:tcPr>
-                </a:tc>
-                <a:tc>
-                  <a:txBody>
-                    <a:bodyPr/>
-                    <a:lstStyle/>
-                    <a:p>
-                      <a:pPr algn="r" fontAlgn="b"/>
-                      <a:r>
-                        <a:rPr lang="es-CO" sz="1100" b="0" i="0" u="none" strike="noStrike">
-                          <a:solidFill>
-                            <a:srgbClr val="000000"/>
-                          </a:solidFill>
-                          <a:effectLst/>
-                          <a:latin typeface="Calibri" panose="020F0502020204030204" pitchFamily="34" charset="0"/>
-                        </a:rPr>
-                        <a:t>115</a:t>
-                      </a:r>
-                    </a:p>
-                  </a:txBody>
-                  <a:tcPr marL="9525" marR="9525" marT="9525" marB="0" anchor="b">
-                    <a:lnL>
-                      <a:noFill/>
-                    </a:lnL>
-                    <a:lnR>
-                      <a:noFill/>
-                    </a:lnR>
-                    <a:lnT>
-                      <a:noFill/>
-                    </a:lnT>
-                    <a:lnB>
-                      <a:noFill/>
-                    </a:lnB>
-                  </a:tcPr>
-                </a:tc>
-              </a:tr>
-              <a:tr h="190500">
-                <a:tc>
-                  <a:txBody>
-                    <a:bodyPr/>
-                    <a:lstStyle/>
-                    <a:p>
-                      <a:pPr algn="l" fontAlgn="b"/>
-                      <a:r>
-                        <a:rPr lang="es-CO" sz="1100" b="0" i="0" u="none" strike="noStrike">
-                          <a:solidFill>
-                            <a:srgbClr val="000000"/>
-                          </a:solidFill>
-                          <a:effectLst/>
-                          <a:latin typeface="Calibri" panose="020F0502020204030204" pitchFamily="34" charset="0"/>
-                        </a:rPr>
-                        <a:t>2</a:t>
-                      </a:r>
-                    </a:p>
-                  </a:txBody>
-                  <a:tcPr marL="9525" marR="9525" marT="9525" marB="0" anchor="b">
-                    <a:lnL>
-                      <a:noFill/>
-                    </a:lnL>
-                    <a:lnR>
-                      <a:noFill/>
-                    </a:lnR>
-                    <a:lnT>
-                      <a:noFill/>
-                    </a:lnT>
-                    <a:lnB>
-                      <a:noFill/>
-                    </a:lnB>
-                  </a:tcPr>
-                </a:tc>
-                <a:tc>
-                  <a:txBody>
-                    <a:bodyPr/>
-                    <a:lstStyle/>
-                    <a:p>
-                      <a:pPr algn="r" fontAlgn="b"/>
-                      <a:r>
-                        <a:rPr lang="es-CO" sz="1100" b="0" i="0" u="none" strike="noStrike">
-                          <a:solidFill>
-                            <a:srgbClr val="000000"/>
-                          </a:solidFill>
-                          <a:effectLst/>
-                          <a:latin typeface="Calibri" panose="020F0502020204030204" pitchFamily="34" charset="0"/>
-                        </a:rPr>
-                        <a:t>66</a:t>
-                      </a:r>
-                    </a:p>
-                  </a:txBody>
-                  <a:tcPr marL="9525" marR="9525" marT="9525" marB="0" anchor="b">
-                    <a:lnL>
-                      <a:noFill/>
-                    </a:lnL>
-                    <a:lnR>
-                      <a:noFill/>
-                    </a:lnR>
-                    <a:lnT>
-                      <a:noFill/>
-                    </a:lnT>
-                    <a:lnB>
-                      <a:noFill/>
-                    </a:lnB>
-                  </a:tcPr>
-                </a:tc>
-              </a:tr>
-              <a:tr h="190500">
-                <a:tc>
-                  <a:txBody>
-                    <a:bodyPr/>
-                    <a:lstStyle/>
-                    <a:p>
-                      <a:pPr algn="l" fontAlgn="b"/>
-                      <a:r>
-                        <a:rPr lang="es-CO" sz="1100" b="0" i="0" u="none" strike="noStrike">
-                          <a:solidFill>
-                            <a:srgbClr val="000000"/>
-                          </a:solidFill>
-                          <a:effectLst/>
-                          <a:latin typeface="Calibri" panose="020F0502020204030204" pitchFamily="34" charset="0"/>
-                        </a:rPr>
-                        <a:t>3</a:t>
-                      </a:r>
-                    </a:p>
-                  </a:txBody>
-                  <a:tcPr marL="9525" marR="9525" marT="9525" marB="0" anchor="b">
-                    <a:lnL>
-                      <a:noFill/>
-                    </a:lnL>
-                    <a:lnR>
-                      <a:noFill/>
-                    </a:lnR>
-                    <a:lnT>
-                      <a:noFill/>
-                    </a:lnT>
-                    <a:lnB>
-                      <a:noFill/>
-                    </a:lnB>
-                  </a:tcPr>
-                </a:tc>
-                <a:tc>
-                  <a:txBody>
-                    <a:bodyPr/>
-                    <a:lstStyle/>
-                    <a:p>
-                      <a:pPr algn="r" fontAlgn="b"/>
-                      <a:r>
-                        <a:rPr lang="es-CO" sz="1100" b="0" i="0" u="none" strike="noStrike" dirty="0">
-                          <a:solidFill>
-                            <a:srgbClr val="000000"/>
-                          </a:solidFill>
-                          <a:effectLst/>
-                          <a:latin typeface="Calibri" panose="020F0502020204030204" pitchFamily="34" charset="0"/>
-                        </a:rPr>
-                        <a:t>158</a:t>
-                      </a:r>
-                    </a:p>
-                  </a:txBody>
-                  <a:tcPr marL="9525" marR="9525" marT="9525" marB="0" anchor="b">
-                    <a:lnL>
-                      <a:noFill/>
-                    </a:lnL>
-                    <a:lnR>
-                      <a:noFill/>
-                    </a:lnR>
-                    <a:lnT>
-                      <a:noFill/>
-                    </a:lnT>
-                    <a:lnB>
-                      <a:noFill/>
-                    </a:lnB>
-                  </a:tcPr>
-                </a:tc>
-              </a:tr>
-            </a:tbl>
-          </a:graphicData>
-        </a:graphic>
-      </p:graphicFrame>
     </p:spTree>
     <p:extLst>
       <p:ext uri="{BB962C8B-B14F-4D97-AF65-F5344CB8AC3E}">
-        <p14:creationId xmlns:p14="http://schemas.microsoft.com/office/powerpoint/2010/main" val="2802779281"/>
+        <p14:creationId xmlns:p14="http://schemas.microsoft.com/office/powerpoint/2010/main" val="1219448982"/>
       </p:ext>
     </p:extLst>
   </p:cSld>
@@ -15299,7 +17186,7 @@
       </p:grpSpPr>
       <p:sp>
         <p:nvSpPr>
-          <p:cNvPr id="5" name="Title 4"/>
+          <p:cNvPr id="2" name="Title 1"/>
           <p:cNvSpPr>
             <a:spLocks noGrp="1"/>
           </p:cNvSpPr>
@@ -15314,7 +17201,7 @@
           <a:p>
             <a:r>
               <a:rPr lang="en-US" dirty="0" smtClean="0"/>
-              <a:t>3 clusters suggested</a:t>
+              <a:t>Results structure (Description graphics)</a:t>
             </a:r>
             <a:endParaRPr lang="es-CO" dirty="0"/>
           </a:p>
@@ -15322,116 +17209,129 @@
       </p:sp>
       <p:sp>
         <p:nvSpPr>
-          <p:cNvPr id="6" name="Text Placeholder 5"/>
+          <p:cNvPr id="3" name="Content Placeholder 2"/>
           <p:cNvSpPr>
             <a:spLocks noGrp="1"/>
           </p:cNvSpPr>
           <p:nvPr>
-            <p:ph type="body" idx="1"/>
+            <p:ph sz="half" idx="1"/>
           </p:nvPr>
         </p:nvSpPr>
-        <p:spPr/>
+        <p:spPr>
+          <a:xfrm>
+            <a:off x="838199" y="1825625"/>
+            <a:ext cx="10587681" cy="4351338"/>
+          </a:xfrm>
+        </p:spPr>
         <p:txBody>
-          <a:bodyPr/>
+          <a:bodyPr>
+            <a:normAutofit/>
+          </a:bodyPr>
           <a:lstStyle/>
           <a:p>
             <a:r>
               <a:rPr lang="en-US" dirty="0" smtClean="0"/>
-              <a:t>Height criteria</a:t>
-            </a:r>
+              <a:t>folder: </a:t>
+            </a:r>
+            <a:r>
+              <a:rPr lang="en-US" dirty="0" err="1" smtClean="0"/>
+              <a:t>Huanuco</a:t>
+            </a:r>
+            <a:r>
+              <a:rPr lang="en-US" dirty="0" smtClean="0"/>
+              <a:t>\plot\description</a:t>
+            </a:r>
+          </a:p>
+          <a:p>
+            <a:endParaRPr lang="en-US" dirty="0" smtClean="0"/>
+          </a:p>
+          <a:p>
+            <a:r>
+              <a:rPr lang="en-US" dirty="0" smtClean="0"/>
+              <a:t>Correlation plot for quantitative variables: graphics</a:t>
+            </a:r>
+            <a:r>
+              <a:rPr lang="en-US" dirty="0"/>
+              <a:t>: </a:t>
+            </a:r>
+            <a:r>
+              <a:rPr lang="en-US" dirty="0" err="1"/>
+              <a:t>corrplot</a:t>
+            </a:r>
+            <a:r>
+              <a:rPr lang="en-US" dirty="0"/>
+              <a:t>_[]_[</a:t>
+            </a:r>
+            <a:r>
+              <a:rPr lang="en-US" dirty="0" smtClean="0"/>
+              <a:t>date]</a:t>
+            </a:r>
+          </a:p>
+          <a:p>
+            <a:r>
+              <a:rPr lang="en-US" dirty="0" err="1" smtClean="0"/>
+              <a:t>Heatmaps</a:t>
+            </a:r>
+            <a:r>
+              <a:rPr lang="en-US" dirty="0" smtClean="0"/>
+              <a:t> for qualitative variables: </a:t>
+            </a:r>
+            <a:r>
+              <a:rPr lang="en-US" dirty="0"/>
+              <a:t>: </a:t>
+            </a:r>
+            <a:r>
+              <a:rPr lang="en-US" dirty="0" err="1"/>
+              <a:t>heatmap_fisher</a:t>
+            </a:r>
+            <a:r>
+              <a:rPr lang="en-US" dirty="0"/>
+              <a:t>_[]_[date</a:t>
+            </a:r>
+            <a:r>
+              <a:rPr lang="en-US" dirty="0" smtClean="0"/>
+              <a:t>]</a:t>
+            </a:r>
+          </a:p>
+          <a:p>
+            <a:pPr marL="0" indent="0">
+              <a:buNone/>
+            </a:pPr>
+            <a:r>
+              <a:rPr lang="en-US" dirty="0" smtClean="0"/>
+              <a:t> (black: Fisher p values  ≤ 0.05, gray: </a:t>
+            </a:r>
+            <a:r>
+              <a:rPr lang="en-US" dirty="0"/>
+              <a:t>Fisher p values </a:t>
+            </a:r>
+            <a:r>
+              <a:rPr lang="en-US" dirty="0" smtClean="0"/>
+              <a:t>&gt; 0.05)</a:t>
+            </a:r>
+            <a:endParaRPr lang="en-US" dirty="0"/>
+          </a:p>
+          <a:p>
+            <a:endParaRPr lang="en-US" dirty="0"/>
+          </a:p>
+          <a:p>
+            <a:endParaRPr lang="en-US" dirty="0"/>
+          </a:p>
+          <a:p>
+            <a:endParaRPr lang="en-US" dirty="0" smtClean="0"/>
+          </a:p>
+          <a:p>
+            <a:endParaRPr lang="es-CO" dirty="0"/>
+          </a:p>
+          <a:p>
             <a:endParaRPr lang="es-CO" dirty="0"/>
           </a:p>
         </p:txBody>
       </p:sp>
-      <p:pic>
-        <p:nvPicPr>
-          <p:cNvPr id="11" name="Content Placeholder 10"/>
-          <p:cNvPicPr>
-            <a:picLocks noGrp="1" noChangeAspect="1"/>
-          </p:cNvPicPr>
-          <p:nvPr>
-            <p:ph sz="half" idx="2"/>
-          </p:nvPr>
-        </p:nvPicPr>
-        <p:blipFill>
-          <a:blip r:embed="rId2">
-            <a:extLst>
-              <a:ext uri="{28A0092B-C50C-407E-A947-70E740481C1C}">
-                <a14:useLocalDpi xmlns:a14="http://schemas.microsoft.com/office/drawing/2010/main" val="0"/>
-              </a:ext>
-            </a:extLst>
-          </a:blip>
-          <a:stretch>
-            <a:fillRect/>
-          </a:stretch>
-        </p:blipFill>
-        <p:spPr>
-          <a:xfrm>
-            <a:off x="839788" y="2628107"/>
-            <a:ext cx="5157787" cy="3438524"/>
-          </a:xfrm>
-        </p:spPr>
-      </p:pic>
-      <p:sp>
-        <p:nvSpPr>
-          <p:cNvPr id="8" name="Text Placeholder 7"/>
-          <p:cNvSpPr>
-            <a:spLocks noGrp="1"/>
-          </p:cNvSpPr>
-          <p:nvPr>
-            <p:ph type="body" sz="quarter" idx="3"/>
-          </p:nvPr>
-        </p:nvSpPr>
-        <p:spPr/>
-        <p:txBody>
-          <a:bodyPr/>
-          <a:lstStyle/>
-          <a:p>
-            <a:r>
-              <a:rPr lang="en-US" dirty="0" err="1" smtClean="0"/>
-              <a:t>Elbox</a:t>
-            </a:r>
-            <a:r>
-              <a:rPr lang="en-US" dirty="0" smtClean="0"/>
-              <a:t> criteria</a:t>
-            </a:r>
-            <a:endParaRPr lang="es-CO" dirty="0"/>
-          </a:p>
-        </p:txBody>
-      </p:sp>
-      <p:pic>
-        <p:nvPicPr>
-          <p:cNvPr id="12" name="Content Placeholder 11"/>
-          <p:cNvPicPr>
-            <a:picLocks noGrp="1" noChangeAspect="1"/>
-          </p:cNvPicPr>
-          <p:nvPr>
-            <p:ph sz="quarter" idx="4"/>
-          </p:nvPr>
-        </p:nvPicPr>
-        <p:blipFill>
-          <a:blip r:embed="rId3" cstate="print">
-            <a:extLst>
-              <a:ext uri="{28A0092B-C50C-407E-A947-70E740481C1C}">
-                <a14:useLocalDpi xmlns:a14="http://schemas.microsoft.com/office/drawing/2010/main" val="0"/>
-              </a:ext>
-            </a:extLst>
-          </a:blip>
-          <a:stretch>
-            <a:fillRect/>
-          </a:stretch>
-        </p:blipFill>
-        <p:spPr>
-          <a:xfrm>
-            <a:off x="6172200" y="3181152"/>
-            <a:ext cx="5183188" cy="2332434"/>
-          </a:xfrm>
-        </p:spPr>
-      </p:pic>
     </p:spTree>
     <p:extLst>
       <p:ext uri="{BB962C8B-B14F-4D97-AF65-F5344CB8AC3E}">
-        <p14:creationId xmlns:p14="http://schemas.microsoft.com/office/powerpoint/2010/main" val="1688977302"/>
+        <p14:creationId xmlns:p14="http://schemas.microsoft.com/office/powerpoint/2010/main" val="1712407765"/>
       </p:ext>
     </p:extLst>
   </p:cSld>
@@ -15473,133 +17373,77 @@
           <a:bodyPr/>
           <a:lstStyle/>
           <a:p>
-            <a:endParaRPr lang="es-CO"/>
+            <a:r>
+              <a:rPr lang="en-US" dirty="0" smtClean="0"/>
+              <a:t>Results structure (csv files)</a:t>
+            </a:r>
+            <a:endParaRPr lang="es-CO" dirty="0"/>
           </a:p>
         </p:txBody>
       </p:sp>
       <p:sp>
         <p:nvSpPr>
-          <p:cNvPr id="3" name="Text Placeholder 2"/>
+          <p:cNvPr id="3" name="Content Placeholder 2"/>
           <p:cNvSpPr>
             <a:spLocks noGrp="1"/>
           </p:cNvSpPr>
           <p:nvPr>
-            <p:ph type="body" idx="1"/>
+            <p:ph sz="half" idx="1"/>
           </p:nvPr>
         </p:nvSpPr>
-        <p:spPr/>
+        <p:spPr>
+          <a:xfrm>
+            <a:off x="838199" y="1825625"/>
+            <a:ext cx="10587681" cy="4351338"/>
+          </a:xfrm>
+        </p:spPr>
         <p:txBody>
-          <a:bodyPr/>
+          <a:bodyPr>
+            <a:normAutofit/>
+          </a:bodyPr>
           <a:lstStyle/>
           <a:p>
             <a:r>
               <a:rPr lang="en-US" dirty="0" smtClean="0"/>
-              <a:t>Number of ecosystem where species were collected</a:t>
-            </a:r>
+              <a:t>folder: </a:t>
+            </a:r>
+            <a:r>
+              <a:rPr lang="en-US" dirty="0" err="1" smtClean="0"/>
+              <a:t>Huanuco</a:t>
+            </a:r>
+            <a:r>
+              <a:rPr lang="en-US" dirty="0" smtClean="0"/>
+              <a:t>\csv\results</a:t>
+            </a:r>
+          </a:p>
+          <a:p>
+            <a:endParaRPr lang="en-US" dirty="0" smtClean="0"/>
+          </a:p>
+          <a:p>
+            <a:r>
+              <a:rPr lang="en-US" dirty="0" smtClean="0"/>
+              <a:t>SUMMARY.xls: summary file with all the important results for the analysis.</a:t>
+            </a:r>
+            <a:endParaRPr lang="en-US" dirty="0"/>
+          </a:p>
+          <a:p>
+            <a:endParaRPr lang="en-US" dirty="0"/>
+          </a:p>
+          <a:p>
+            <a:endParaRPr lang="en-US" dirty="0" smtClean="0"/>
+          </a:p>
+          <a:p>
+            <a:endParaRPr lang="es-CO" dirty="0"/>
+          </a:p>
+          <a:p>
             <a:endParaRPr lang="es-CO" dirty="0"/>
           </a:p>
         </p:txBody>
       </p:sp>
-      <p:sp>
-        <p:nvSpPr>
-          <p:cNvPr id="5" name="Text Placeholder 4"/>
-          <p:cNvSpPr>
-            <a:spLocks noGrp="1"/>
-          </p:cNvSpPr>
-          <p:nvPr>
-            <p:ph type="body" sz="quarter" idx="3"/>
-          </p:nvPr>
-        </p:nvSpPr>
-        <p:spPr/>
-        <p:txBody>
-          <a:bodyPr/>
-          <a:lstStyle/>
-          <a:p>
-            <a:endParaRPr lang="es-CO"/>
-          </a:p>
-        </p:txBody>
-      </p:sp>
-      <p:sp>
-        <p:nvSpPr>
-          <p:cNvPr id="6" name="Content Placeholder 5"/>
-          <p:cNvSpPr>
-            <a:spLocks noGrp="1"/>
-          </p:cNvSpPr>
-          <p:nvPr>
-            <p:ph sz="quarter" idx="4"/>
-          </p:nvPr>
-        </p:nvSpPr>
-        <p:spPr/>
-        <p:txBody>
-          <a:bodyPr/>
-          <a:lstStyle/>
-          <a:p>
-            <a:endParaRPr lang="es-CO"/>
-          </a:p>
-        </p:txBody>
-      </p:sp>
-      <p:graphicFrame>
-        <p:nvGraphicFramePr>
-          <p:cNvPr id="7" name="Content Placeholder 6"/>
-          <p:cNvGraphicFramePr>
-            <a:graphicFrameLocks noGrp="1" noChangeAspect="1"/>
-          </p:cNvGraphicFramePr>
-          <p:nvPr>
-            <p:ph sz="half" idx="2"/>
-            <p:extLst>
-              <p:ext uri="{D42A27DB-BD31-4B8C-83A1-F6EECF244321}">
-                <p14:modId xmlns:p14="http://schemas.microsoft.com/office/powerpoint/2010/main" val="544748246"/>
-              </p:ext>
-            </p:extLst>
-          </p:nvPr>
-        </p:nvGraphicFramePr>
-        <p:xfrm>
-          <a:off x="839788" y="3186113"/>
-          <a:ext cx="5157787" cy="2320925"/>
-        </p:xfrm>
-        <a:graphic>
-          <a:graphicData uri="http://schemas.openxmlformats.org/presentationml/2006/ole">
-            <mc:AlternateContent xmlns:mc="http://schemas.openxmlformats.org/markup-compatibility/2006">
-              <mc:Choice xmlns:v="urn:schemas-microsoft-com:vml" Requires="v">
-                <p:oleObj spid="_x0000_s3075" name="Acrobat Document" r:id="rId3" imgW="27432000" imgH="12344400" progId="AcroExch.Document.DC">
-                  <p:embed/>
-                </p:oleObj>
-              </mc:Choice>
-              <mc:Fallback>
-                <p:oleObj name="Acrobat Document" r:id="rId3" imgW="27432000" imgH="12344400" progId="AcroExch.Document.DC">
-                  <p:embed/>
-                  <p:pic>
-                    <p:nvPicPr>
-                      <p:cNvPr id="0" name=""/>
-                      <p:cNvPicPr/>
-                      <p:nvPr/>
-                    </p:nvPicPr>
-                    <p:blipFill>
-                      <a:blip r:embed="rId4"/>
-                      <a:stretch>
-                        <a:fillRect/>
-                      </a:stretch>
-                    </p:blipFill>
-                    <p:spPr>
-                      <a:xfrm>
-                        <a:off x="839788" y="3186113"/>
-                        <a:ext cx="5157787" cy="2320925"/>
-                      </a:xfrm>
-                      <a:prstGeom prst="rect">
-                        <a:avLst/>
-                      </a:prstGeom>
-                    </p:spPr>
-                  </p:pic>
-                </p:oleObj>
-              </mc:Fallback>
-            </mc:AlternateContent>
-          </a:graphicData>
-        </a:graphic>
-      </p:graphicFrame>
     </p:spTree>
     <p:extLst>
       <p:ext uri="{BB962C8B-B14F-4D97-AF65-F5344CB8AC3E}">
-        <p14:creationId xmlns:p14="http://schemas.microsoft.com/office/powerpoint/2010/main" val="1485166098"/>
+        <p14:creationId xmlns:p14="http://schemas.microsoft.com/office/powerpoint/2010/main" val="2867254031"/>
       </p:ext>
     </p:extLst>
   </p:cSld>
